--- a/ПЕРЕЗАПУСК_Data Analyst_Царегородцева Татьяна Владимировна.pptx
+++ b/ПЕРЕЗАПУСК_Data Analyst_Царегородцева Татьяна Владимировна.pptx
@@ -286,7 +286,7 @@
           <p:cNvPr id="18" name="Прямоугольник 17">
             <a:extLst>
               <a:ext uri="{FF2B5EF4-FFF2-40B4-BE49-F238E27FC236}">
-                <a16:creationId xmlns="" xmlns:a16="http://schemas.microsoft.com/office/drawing/2014/main" id="{CBC5F2EB-A7EF-7341-95C5-1D35103D9A8D}"/>
+                <a16:creationId xmlns:a16="http://schemas.microsoft.com/office/drawing/2014/main" xmlns="" id="{CBC5F2EB-A7EF-7341-95C5-1D35103D9A8D}"/>
               </a:ext>
             </a:extLst>
           </p:cNvPr>
@@ -992,7 +992,7 @@
           <a:p>
             <a:fld id="{4583FB6F-ACA5-4987-9D7D-422181772236}" type="datetimeFigureOut">
               <a:rPr lang="ru-RU" smtClean="0"/>
-              <a:t>17.07.2021</a:t>
+              <a:t>19.07.2021</a:t>
             </a:fld>
             <a:endParaRPr lang="ru-RU"/>
           </a:p>
@@ -2098,7 +2098,7 @@
           <a:p>
             <a:fld id="{4583FB6F-ACA5-4987-9D7D-422181772236}" type="datetimeFigureOut">
               <a:rPr lang="ru-RU" smtClean="0"/>
-              <a:t>17.07.2021</a:t>
+              <a:t>19.07.2021</a:t>
             </a:fld>
             <a:endParaRPr lang="ru-RU"/>
           </a:p>
@@ -2309,7 +2309,7 @@
           <a:p>
             <a:fld id="{4583FB6F-ACA5-4987-9D7D-422181772236}" type="datetimeFigureOut">
               <a:rPr lang="ru-RU" smtClean="0"/>
-              <a:t>17.07.2021</a:t>
+              <a:t>19.07.2021</a:t>
             </a:fld>
             <a:endParaRPr lang="ru-RU"/>
           </a:p>
@@ -2736,7 +2736,8 @@
                 <a:solidFill>
                   <a:schemeClr val="tx1"/>
                 </a:solidFill>
-                <a:latin typeface="+mj-lt"/>
+                <a:latin typeface="Times New Roman" panose="02020603050405020304" pitchFamily="18" charset="0"/>
+                <a:cs typeface="Times New Roman" panose="02020603050405020304" pitchFamily="18" charset="0"/>
               </a:rPr>
               <a:t>Царегородцева</a:t>
             </a:r>
@@ -2745,7 +2746,8 @@
                 <a:solidFill>
                   <a:schemeClr val="tx1"/>
                 </a:solidFill>
-                <a:latin typeface="+mj-lt"/>
+                <a:latin typeface="Times New Roman" panose="02020603050405020304" pitchFamily="18" charset="0"/>
+                <a:cs typeface="Times New Roman" panose="02020603050405020304" pitchFamily="18" charset="0"/>
               </a:rPr>
               <a:t> Татьяна Владимировна</a:t>
             </a:r>
@@ -2753,7 +2755,8 @@
               <a:solidFill>
                 <a:schemeClr val="tx1"/>
               </a:solidFill>
-              <a:latin typeface="+mj-lt"/>
+              <a:latin typeface="Times New Roman" panose="02020603050405020304" pitchFamily="18" charset="0"/>
+              <a:cs typeface="Times New Roman" panose="02020603050405020304" pitchFamily="18" charset="0"/>
             </a:endParaRPr>
           </a:p>
         </p:txBody>
@@ -3081,166 +3084,134 @@
             <p:ph idx="1"/>
           </p:nvPr>
         </p:nvSpPr>
-        <p:spPr/>
+        <p:spPr>
+          <a:xfrm>
+            <a:off x="437881" y="1558344"/>
+            <a:ext cx="10748493" cy="4760287"/>
+          </a:xfrm>
+        </p:spPr>
         <p:txBody>
           <a:bodyPr>
-            <a:normAutofit fontScale="92500" lnSpcReduction="20000"/>
+            <a:normAutofit lnSpcReduction="10000"/>
           </a:bodyPr>
           <a:lstStyle/>
           <a:p>
             <a:r>
-              <a:rPr lang="ru-RU" i="1" dirty="0" err="1" smtClean="0">
-                <a:solidFill>
-                  <a:schemeClr val="tx1">
-                    <a:lumMod val="65000"/>
-                    <a:lumOff val="35000"/>
-                  </a:schemeClr>
-                </a:solidFill>
+              <a:rPr lang="ru-RU" sz="3000" i="1" dirty="0" err="1" smtClean="0">
+                <a:latin typeface="Times New Roman" panose="02020603050405020304" pitchFamily="18" charset="0"/>
+                <a:cs typeface="Times New Roman" panose="02020603050405020304" pitchFamily="18" charset="0"/>
               </a:rPr>
               <a:t>Царегородцева</a:t>
             </a:r>
             <a:r>
-              <a:rPr lang="ru-RU" i="1" dirty="0" smtClean="0">
-                <a:solidFill>
-                  <a:schemeClr val="tx1">
-                    <a:lumMod val="65000"/>
-                    <a:lumOff val="35000"/>
-                  </a:schemeClr>
-                </a:solidFill>
+              <a:rPr lang="ru-RU" sz="3000" i="1" dirty="0" smtClean="0">
+                <a:latin typeface="Times New Roman" panose="02020603050405020304" pitchFamily="18" charset="0"/>
+                <a:cs typeface="Times New Roman" panose="02020603050405020304" pitchFamily="18" charset="0"/>
               </a:rPr>
               <a:t> Татьяна Владимировна</a:t>
             </a:r>
-            <a:endParaRPr lang="ru-RU" i="1" dirty="0">
-              <a:solidFill>
-                <a:schemeClr val="tx1">
-                  <a:lumMod val="65000"/>
-                  <a:lumOff val="35000"/>
-                </a:schemeClr>
-              </a:solidFill>
+            <a:endParaRPr lang="ru-RU" sz="3000" i="1" dirty="0">
+              <a:latin typeface="Times New Roman" panose="02020603050405020304" pitchFamily="18" charset="0"/>
+              <a:cs typeface="Times New Roman" panose="02020603050405020304" pitchFamily="18" charset="0"/>
             </a:endParaRPr>
           </a:p>
           <a:p>
             <a:r>
-              <a:rPr lang="ru-RU" i="1" dirty="0" smtClean="0">
-                <a:solidFill>
-                  <a:schemeClr val="tx1">
-                    <a:lumMod val="65000"/>
-                    <a:lumOff val="35000"/>
-                  </a:schemeClr>
-                </a:solidFill>
+              <a:rPr lang="ru-RU" sz="3000" i="1" dirty="0" smtClean="0">
+                <a:latin typeface="Times New Roman" panose="02020603050405020304" pitchFamily="18" charset="0"/>
+                <a:cs typeface="Times New Roman" panose="02020603050405020304" pitchFamily="18" charset="0"/>
               </a:rPr>
               <a:t>высшее</a:t>
             </a:r>
-            <a:endParaRPr lang="ru-RU" i="1" dirty="0">
-              <a:solidFill>
-                <a:schemeClr val="tx1">
-                  <a:lumMod val="65000"/>
-                  <a:lumOff val="35000"/>
-                </a:schemeClr>
-              </a:solidFill>
+            <a:endParaRPr lang="ru-RU" sz="3000" i="1" dirty="0">
+              <a:latin typeface="Times New Roman" panose="02020603050405020304" pitchFamily="18" charset="0"/>
+              <a:cs typeface="Times New Roman" panose="02020603050405020304" pitchFamily="18" charset="0"/>
             </a:endParaRPr>
           </a:p>
           <a:p>
             <a:pPr fontAlgn="t"/>
             <a:r>
-              <a:rPr lang="ru-RU" i="1" dirty="0"/>
-              <a:t>Ведущий инженер, </a:t>
-            </a:r>
-            <a:r>
-              <a:rPr lang="ru-RU" i="1" dirty="0"/>
-              <a:t>о</a:t>
-            </a:r>
-            <a:r>
-              <a:rPr lang="ru-RU" i="1" dirty="0" smtClean="0"/>
+              <a:rPr lang="ru-RU" sz="3000" i="1" dirty="0">
+                <a:latin typeface="Times New Roman" panose="02020603050405020304" pitchFamily="18" charset="0"/>
+                <a:cs typeface="Times New Roman" panose="02020603050405020304" pitchFamily="18" charset="0"/>
+              </a:rPr>
+              <a:t>Ведущий инженер, о</a:t>
+            </a:r>
+            <a:r>
+              <a:rPr lang="ru-RU" sz="3000" i="1" dirty="0" smtClean="0">
+                <a:latin typeface="Times New Roman" panose="02020603050405020304" pitchFamily="18" charset="0"/>
+                <a:cs typeface="Times New Roman" panose="02020603050405020304" pitchFamily="18" charset="0"/>
+              </a:rPr>
               <a:t>тдела </a:t>
             </a:r>
             <a:r>
-              <a:rPr lang="ru-RU" i="1" dirty="0"/>
+              <a:rPr lang="ru-RU" sz="3000" i="1" dirty="0">
+                <a:latin typeface="Times New Roman" panose="02020603050405020304" pitchFamily="18" charset="0"/>
+                <a:cs typeface="Times New Roman" panose="02020603050405020304" pitchFamily="18" charset="0"/>
+              </a:rPr>
               <a:t>управления </a:t>
             </a:r>
             <a:r>
-              <a:rPr lang="ru-RU" i="1" dirty="0" smtClean="0"/>
+              <a:rPr lang="ru-RU" sz="3000" i="1" dirty="0" smtClean="0">
+                <a:latin typeface="Times New Roman" panose="02020603050405020304" pitchFamily="18" charset="0"/>
+                <a:cs typeface="Times New Roman" panose="02020603050405020304" pitchFamily="18" charset="0"/>
+              </a:rPr>
               <a:t>заявками Технологии</a:t>
             </a:r>
-            <a:endParaRPr lang="ru-RU" i="1" dirty="0"/>
-          </a:p>
-          <a:p>
-            <a:r>
-              <a:rPr lang="ru-RU" i="1" dirty="0"/>
-              <a:t>МЦТП ЦА </a:t>
-            </a:r>
-            <a:r>
-              <a:rPr lang="ru-RU" i="1" dirty="0" smtClean="0"/>
+            <a:endParaRPr lang="ru-RU" sz="3000" i="1" dirty="0">
+              <a:latin typeface="Times New Roman" panose="02020603050405020304" pitchFamily="18" charset="0"/>
+              <a:cs typeface="Times New Roman" panose="02020603050405020304" pitchFamily="18" charset="0"/>
+            </a:endParaRPr>
+          </a:p>
+          <a:p>
+            <a:pPr marL="0" indent="0">
+              <a:buNone/>
+            </a:pPr>
+            <a:r>
+              <a:rPr lang="ru-RU" sz="3000" i="1" dirty="0" smtClean="0">
+                <a:latin typeface="Times New Roman" panose="02020603050405020304" pitchFamily="18" charset="0"/>
+                <a:cs typeface="Times New Roman" panose="02020603050405020304" pitchFamily="18" charset="0"/>
+              </a:rPr>
+              <a:t>  МЦТП </a:t>
+            </a:r>
+            <a:r>
+              <a:rPr lang="ru-RU" sz="3000" i="1" dirty="0">
+                <a:latin typeface="Times New Roman" panose="02020603050405020304" pitchFamily="18" charset="0"/>
+                <a:cs typeface="Times New Roman" panose="02020603050405020304" pitchFamily="18" charset="0"/>
+              </a:rPr>
+              <a:t>ЦА </a:t>
+            </a:r>
+            <a:r>
+              <a:rPr lang="ru-RU" sz="3000" i="1" dirty="0" smtClean="0">
+                <a:latin typeface="Times New Roman" panose="02020603050405020304" pitchFamily="18" charset="0"/>
+                <a:cs typeface="Times New Roman" panose="02020603050405020304" pitchFamily="18" charset="0"/>
+              </a:rPr>
               <a:t>ТБ; выдача и изъятие ИТ-оборудования </a:t>
             </a:r>
-            <a:endParaRPr lang="ru-RU" i="1" dirty="0"/>
-          </a:p>
-          <a:p>
-            <a:r>
-              <a:rPr lang="ru-RU" i="1" dirty="0" smtClean="0">
-                <a:solidFill>
-                  <a:schemeClr val="tx1">
-                    <a:lumMod val="65000"/>
-                    <a:lumOff val="35000"/>
-                  </a:schemeClr>
-                </a:solidFill>
-              </a:rPr>
-              <a:t>Опыт </a:t>
-            </a:r>
-            <a:r>
-              <a:rPr lang="ru-RU" i="1" dirty="0">
-                <a:solidFill>
-                  <a:schemeClr val="tx1">
-                    <a:lumMod val="65000"/>
-                    <a:lumOff val="35000"/>
-                  </a:schemeClr>
-                </a:solidFill>
-              </a:rPr>
-              <a:t>в </a:t>
-            </a:r>
-            <a:r>
-              <a:rPr lang="ru-RU" i="1" dirty="0" err="1">
-                <a:solidFill>
-                  <a:schemeClr val="tx1">
-                    <a:lumMod val="65000"/>
-                    <a:lumOff val="35000"/>
-                  </a:schemeClr>
-                </a:solidFill>
-              </a:rPr>
-              <a:t>Сбере</a:t>
-            </a:r>
-            <a:r>
-              <a:rPr lang="ru-RU" i="1" dirty="0">
-                <a:solidFill>
-                  <a:schemeClr val="tx1">
-                    <a:lumMod val="65000"/>
-                    <a:lumOff val="35000"/>
-                  </a:schemeClr>
-                </a:solidFill>
-              </a:rPr>
-              <a:t> (подразделение, должность, основной функционал, системы/процессы</a:t>
-            </a:r>
-          </a:p>
-          <a:p>
-            <a:r>
-              <a:rPr lang="ru-RU" i="1" dirty="0" smtClean="0">
-                <a:solidFill>
-                  <a:schemeClr val="tx1">
-                    <a:lumMod val="65000"/>
-                    <a:lumOff val="35000"/>
-                  </a:schemeClr>
-                </a:solidFill>
-              </a:rPr>
-              <a:t>Новосибирск,  </a:t>
-            </a:r>
-            <a:r>
-              <a:rPr lang="ru-RU" i="1" dirty="0">
-                <a:solidFill>
-                  <a:schemeClr val="tx1">
-                    <a:lumMod val="65000"/>
-                    <a:lumOff val="35000"/>
-                  </a:schemeClr>
-                </a:solidFill>
+            <a:endParaRPr lang="ru-RU" sz="3000" i="1" dirty="0">
+              <a:latin typeface="Times New Roman" panose="02020603050405020304" pitchFamily="18" charset="0"/>
+              <a:cs typeface="Times New Roman" panose="02020603050405020304" pitchFamily="18" charset="0"/>
+            </a:endParaRPr>
+          </a:p>
+          <a:p>
+            <a:r>
+              <a:rPr lang="ru-RU" sz="3000" i="1" dirty="0" smtClean="0">
+                <a:latin typeface="Times New Roman" panose="02020603050405020304" pitchFamily="18" charset="0"/>
+                <a:cs typeface="Times New Roman" panose="02020603050405020304" pitchFamily="18" charset="0"/>
+              </a:rPr>
+              <a:t>Новосибирск</a:t>
+            </a:r>
+            <a:r>
+              <a:rPr lang="ru-RU" sz="3000" i="1" dirty="0" smtClean="0">
+                <a:latin typeface="Times New Roman" panose="02020603050405020304" pitchFamily="18" charset="0"/>
+                <a:cs typeface="Times New Roman" panose="02020603050405020304" pitchFamily="18" charset="0"/>
+              </a:rPr>
+              <a:t>,  </a:t>
+            </a:r>
+            <a:r>
+              <a:rPr lang="ru-RU" sz="3000" i="1" dirty="0">
+                <a:latin typeface="Times New Roman" panose="02020603050405020304" pitchFamily="18" charset="0"/>
+                <a:cs typeface="Times New Roman" panose="02020603050405020304" pitchFamily="18" charset="0"/>
               </a:rPr>
               <a:t>готовность к переезду</a:t>
             </a:r>
@@ -3248,35 +3219,54 @@
           <a:p>
             <a:pPr fontAlgn="t"/>
             <a:r>
-              <a:rPr lang="ru-RU" i="1" dirty="0"/>
+              <a:rPr lang="ru-RU" sz="3000" i="1" dirty="0">
+                <a:latin typeface="Times New Roman" panose="02020603050405020304" pitchFamily="18" charset="0"/>
+                <a:cs typeface="Times New Roman" panose="02020603050405020304" pitchFamily="18" charset="0"/>
+              </a:rPr>
               <a:t>Рабочий номер телефона:</a:t>
             </a:r>
             <a:r>
-              <a:rPr lang="ru-RU" i="1" dirty="0">
+              <a:rPr lang="ru-RU" sz="3000" i="1" dirty="0">
+                <a:latin typeface="Times New Roman" panose="02020603050405020304" pitchFamily="18" charset="0"/>
+                <a:cs typeface="Times New Roman" panose="02020603050405020304" pitchFamily="18" charset="0"/>
                 <a:hlinkClick r:id="rId2"/>
               </a:rPr>
               <a:t>8-62194052</a:t>
             </a:r>
-            <a:endParaRPr lang="ru-RU" i="1" dirty="0"/>
+            <a:endParaRPr lang="ru-RU" sz="3000" i="1" dirty="0">
+              <a:latin typeface="Times New Roman" panose="02020603050405020304" pitchFamily="18" charset="0"/>
+              <a:cs typeface="Times New Roman" panose="02020603050405020304" pitchFamily="18" charset="0"/>
+            </a:endParaRPr>
           </a:p>
           <a:p>
             <a:pPr fontAlgn="t"/>
             <a:r>
-              <a:rPr lang="ru-RU" i="1" dirty="0"/>
+              <a:rPr lang="ru-RU" sz="3000" i="1" dirty="0">
+                <a:latin typeface="Times New Roman" panose="02020603050405020304" pitchFamily="18" charset="0"/>
+                <a:cs typeface="Times New Roman" panose="02020603050405020304" pitchFamily="18" charset="0"/>
+              </a:rPr>
               <a:t>Мобильный номер телефона:</a:t>
             </a:r>
             <a:r>
-              <a:rPr lang="ru-RU" i="1" dirty="0">
+              <a:rPr lang="ru-RU" sz="3000" i="1" dirty="0">
+                <a:latin typeface="Times New Roman" panose="02020603050405020304" pitchFamily="18" charset="0"/>
+                <a:cs typeface="Times New Roman" panose="02020603050405020304" pitchFamily="18" charset="0"/>
                 <a:hlinkClick r:id="rId3"/>
               </a:rPr>
               <a:t>8-953-888-6989</a:t>
             </a:r>
-            <a:endParaRPr lang="ru-RU" i="1" dirty="0"/>
+            <a:endParaRPr lang="ru-RU" sz="3000" i="1" dirty="0">
+              <a:latin typeface="Times New Roman" panose="02020603050405020304" pitchFamily="18" charset="0"/>
+              <a:cs typeface="Times New Roman" panose="02020603050405020304" pitchFamily="18" charset="0"/>
+            </a:endParaRPr>
           </a:p>
           <a:p>
             <a:pPr fontAlgn="t"/>
             <a:r>
-              <a:rPr lang="en-US" dirty="0"/>
+              <a:rPr lang="en-US" sz="3000" i="1" dirty="0">
+                <a:latin typeface="Times New Roman" panose="02020603050405020304" pitchFamily="18" charset="0"/>
+                <a:cs typeface="Times New Roman" panose="02020603050405020304" pitchFamily="18" charset="0"/>
+              </a:rPr>
               <a:t>tsaregorodtseva.ta.v@omega.sbrf.ru</a:t>
             </a:r>
           </a:p>
@@ -3371,7 +3361,12 @@
             <p:ph idx="1"/>
           </p:nvPr>
         </p:nvSpPr>
-        <p:spPr/>
+        <p:spPr>
+          <a:xfrm>
+            <a:off x="656823" y="1326524"/>
+            <a:ext cx="10698050" cy="5241701"/>
+          </a:xfrm>
+        </p:spPr>
         <p:txBody>
           <a:bodyPr>
             <a:normAutofit fontScale="77500" lnSpcReduction="20000"/>
@@ -3379,49 +3374,227 @@
           <a:lstStyle/>
           <a:p>
             <a:r>
-              <a:rPr lang="ru-RU" i="1" dirty="0" smtClean="0">
-                <a:solidFill>
-                  <a:schemeClr val="tx1">
-                    <a:lumMod val="65000"/>
-                    <a:lumOff val="35000"/>
-                  </a:schemeClr>
-                </a:solidFill>
+              <a:rPr lang="ru-RU" sz="3300" dirty="0" smtClean="0">
+                <a:latin typeface="Times New Roman" panose="02020603050405020304" pitchFamily="18" charset="0"/>
+                <a:cs typeface="Times New Roman" panose="02020603050405020304" pitchFamily="18" charset="0"/>
               </a:rPr>
               <a:t>Есть данные по зарплатам в </a:t>
             </a:r>
             <a:r>
-              <a:rPr lang="ru-RU" i="1" dirty="0" err="1">
-                <a:solidFill>
-                  <a:schemeClr val="tx1">
-                    <a:lumMod val="65000"/>
-                    <a:lumOff val="35000"/>
-                  </a:schemeClr>
-                </a:solidFill>
+              <a:rPr lang="ru-RU" sz="3300" dirty="0" err="1">
+                <a:latin typeface="Times New Roman" panose="02020603050405020304" pitchFamily="18" charset="0"/>
+                <a:cs typeface="Times New Roman" panose="02020603050405020304" pitchFamily="18" charset="0"/>
               </a:rPr>
               <a:t>San</a:t>
             </a:r>
             <a:r>
-              <a:rPr lang="ru-RU" i="1" dirty="0">
-                <a:solidFill>
-                  <a:schemeClr val="tx1">
-                    <a:lumMod val="65000"/>
-                    <a:lumOff val="35000"/>
-                  </a:schemeClr>
-                </a:solidFill>
+              <a:rPr lang="ru-RU" sz="3300" dirty="0">
+                <a:latin typeface="Times New Roman" panose="02020603050405020304" pitchFamily="18" charset="0"/>
+                <a:cs typeface="Times New Roman" panose="02020603050405020304" pitchFamily="18" charset="0"/>
               </a:rPr>
               <a:t> </a:t>
             </a:r>
             <a:r>
-              <a:rPr lang="ru-RU" i="1" dirty="0" err="1">
-                <a:solidFill>
-                  <a:schemeClr val="tx1">
-                    <a:lumMod val="65000"/>
-                    <a:lumOff val="35000"/>
-                  </a:schemeClr>
-                </a:solidFill>
+              <a:rPr lang="ru-RU" sz="3300" dirty="0" err="1" smtClean="0">
+                <a:latin typeface="Times New Roman" panose="02020603050405020304" pitchFamily="18" charset="0"/>
+                <a:cs typeface="Times New Roman" panose="02020603050405020304" pitchFamily="18" charset="0"/>
               </a:rPr>
               <a:t>Francisco</a:t>
             </a:r>
+            <a:r>
+              <a:rPr lang="ru-RU" sz="3300" dirty="0" smtClean="0">
+                <a:latin typeface="Times New Roman" panose="02020603050405020304" pitchFamily="18" charset="0"/>
+                <a:cs typeface="Times New Roman" panose="02020603050405020304" pitchFamily="18" charset="0"/>
+              </a:rPr>
+              <a:t> сотрудников разных департаментов.</a:t>
+            </a:r>
+            <a:endParaRPr lang="ru-RU" sz="3300" dirty="0">
+              <a:latin typeface="Times New Roman" panose="02020603050405020304" pitchFamily="18" charset="0"/>
+              <a:cs typeface="Times New Roman" panose="02020603050405020304" pitchFamily="18" charset="0"/>
+            </a:endParaRPr>
+          </a:p>
+          <a:p>
+            <a:r>
+              <a:rPr lang="ru-RU" sz="3300" b="1" dirty="0" smtClean="0">
+                <a:latin typeface="Times New Roman" panose="02020603050405020304" pitchFamily="18" charset="0"/>
+                <a:cs typeface="Times New Roman" panose="02020603050405020304" pitchFamily="18" charset="0"/>
+              </a:rPr>
+              <a:t>Цель </a:t>
+            </a:r>
+            <a:r>
+              <a:rPr lang="ru-RU" sz="3300" b="1" dirty="0">
+                <a:latin typeface="Times New Roman" panose="02020603050405020304" pitchFamily="18" charset="0"/>
+                <a:cs typeface="Times New Roman" panose="02020603050405020304" pitchFamily="18" charset="0"/>
+              </a:rPr>
+              <a:t>моей </a:t>
+            </a:r>
+            <a:r>
+              <a:rPr lang="ru-RU" sz="3300" b="1" dirty="0" smtClean="0">
+                <a:latin typeface="Times New Roman" panose="02020603050405020304" pitchFamily="18" charset="0"/>
+                <a:cs typeface="Times New Roman" panose="02020603050405020304" pitchFamily="18" charset="0"/>
+              </a:rPr>
+              <a:t>работы:</a:t>
+            </a:r>
+          </a:p>
+          <a:p>
+            <a:r>
+              <a:rPr lang="ru-RU" sz="3300" dirty="0" smtClean="0">
+                <a:latin typeface="Times New Roman" panose="02020603050405020304" pitchFamily="18" charset="0"/>
+                <a:cs typeface="Times New Roman" panose="02020603050405020304" pitchFamily="18" charset="0"/>
+              </a:rPr>
+              <a:t>Провести </a:t>
+            </a:r>
+            <a:r>
+              <a:rPr lang="ru-RU" sz="3300" dirty="0">
+                <a:latin typeface="Times New Roman" panose="02020603050405020304" pitchFamily="18" charset="0"/>
+                <a:cs typeface="Times New Roman" panose="02020603050405020304" pitchFamily="18" charset="0"/>
+              </a:rPr>
+              <a:t>анализ путем выбора инструмента зарплат сотрудников различных </a:t>
+            </a:r>
+            <a:r>
+              <a:rPr lang="ru-RU" sz="3300" dirty="0" smtClean="0">
+                <a:latin typeface="Times New Roman" panose="02020603050405020304" pitchFamily="18" charset="0"/>
+                <a:cs typeface="Times New Roman" panose="02020603050405020304" pitchFamily="18" charset="0"/>
+              </a:rPr>
+              <a:t>департаментов (полиция, пожарные, медицина). </a:t>
+            </a:r>
+            <a:endParaRPr lang="ru-RU" sz="3300" dirty="0">
+              <a:latin typeface="Times New Roman" panose="02020603050405020304" pitchFamily="18" charset="0"/>
+              <a:cs typeface="Times New Roman" panose="02020603050405020304" pitchFamily="18" charset="0"/>
+            </a:endParaRPr>
+          </a:p>
+          <a:p>
+            <a:r>
+              <a:rPr lang="ru-RU" sz="3300" dirty="0">
+                <a:latin typeface="Times New Roman" panose="02020603050405020304" pitchFamily="18" charset="0"/>
+                <a:cs typeface="Times New Roman" panose="02020603050405020304" pitchFamily="18" charset="0"/>
+              </a:rPr>
+              <a:t>Наглядно продемонстрировать и показать на графиках, в таблицах , </a:t>
+            </a:r>
+            <a:r>
+              <a:rPr lang="ru-RU" sz="3300" dirty="0" smtClean="0">
+                <a:latin typeface="Times New Roman" panose="02020603050405020304" pitchFamily="18" charset="0"/>
+                <a:cs typeface="Times New Roman" panose="02020603050405020304" pitchFamily="18" charset="0"/>
+              </a:rPr>
+              <a:t>используя различные  величины.</a:t>
+            </a:r>
+            <a:endParaRPr lang="ru-RU" sz="3300" dirty="0">
+              <a:latin typeface="Times New Roman" panose="02020603050405020304" pitchFamily="18" charset="0"/>
+              <a:cs typeface="Times New Roman" panose="02020603050405020304" pitchFamily="18" charset="0"/>
+            </a:endParaRPr>
+          </a:p>
+          <a:p>
+            <a:r>
+              <a:rPr lang="ru-RU" sz="3300" dirty="0" smtClean="0">
+                <a:latin typeface="Times New Roman" panose="02020603050405020304" pitchFamily="18" charset="0"/>
+                <a:cs typeface="Times New Roman" panose="02020603050405020304" pitchFamily="18" charset="0"/>
+              </a:rPr>
+              <a:t>Рассмотреть </a:t>
+            </a:r>
+            <a:r>
+              <a:rPr lang="ru-RU" sz="3300" dirty="0">
+                <a:latin typeface="Times New Roman" panose="02020603050405020304" pitchFamily="18" charset="0"/>
+                <a:cs typeface="Times New Roman" panose="02020603050405020304" pitchFamily="18" charset="0"/>
+              </a:rPr>
+              <a:t>базовую </a:t>
+            </a:r>
+            <a:r>
+              <a:rPr lang="ru-RU" sz="3300" dirty="0" smtClean="0">
+                <a:latin typeface="Times New Roman" panose="02020603050405020304" pitchFamily="18" charset="0"/>
+                <a:cs typeface="Times New Roman" panose="02020603050405020304" pitchFamily="18" charset="0"/>
+              </a:rPr>
+              <a:t>сумму </a:t>
+            </a:r>
+            <a:r>
+              <a:rPr lang="ru-RU" sz="3300" dirty="0">
+                <a:latin typeface="Times New Roman" panose="02020603050405020304" pitchFamily="18" charset="0"/>
+                <a:cs typeface="Times New Roman" panose="02020603050405020304" pitchFamily="18" charset="0"/>
+              </a:rPr>
+              <a:t>- оклад, </a:t>
+            </a:r>
+            <a:r>
+              <a:rPr lang="ru-RU" sz="3300" dirty="0" smtClean="0">
+                <a:latin typeface="Times New Roman" panose="02020603050405020304" pitchFamily="18" charset="0"/>
+                <a:cs typeface="Times New Roman" panose="02020603050405020304" pitchFamily="18" charset="0"/>
+              </a:rPr>
+              <a:t>общ</a:t>
+            </a:r>
+            <a:r>
+              <a:rPr lang="ru-RU" sz="3300" dirty="0" smtClean="0">
+                <a:latin typeface="Times New Roman" panose="02020603050405020304" pitchFamily="18" charset="0"/>
+                <a:cs typeface="Times New Roman" panose="02020603050405020304" pitchFamily="18" charset="0"/>
+              </a:rPr>
+              <a:t>ую</a:t>
+            </a:r>
+            <a:r>
+              <a:rPr lang="ru-RU" sz="3300" dirty="0" smtClean="0">
+                <a:latin typeface="Times New Roman" panose="02020603050405020304" pitchFamily="18" charset="0"/>
+                <a:cs typeface="Times New Roman" panose="02020603050405020304" pitchFamily="18" charset="0"/>
+              </a:rPr>
+              <a:t> сумму </a:t>
+            </a:r>
+            <a:r>
+              <a:rPr lang="ru-RU" sz="3300" dirty="0" err="1" smtClean="0">
+                <a:latin typeface="Times New Roman" panose="02020603050405020304" pitchFamily="18" charset="0"/>
+                <a:cs typeface="Times New Roman" panose="02020603050405020304" pitchFamily="18" charset="0"/>
+              </a:rPr>
+              <a:t>зп</a:t>
+            </a:r>
+            <a:r>
+              <a:rPr lang="ru-RU" sz="3300" dirty="0" smtClean="0">
+                <a:latin typeface="Times New Roman" panose="02020603050405020304" pitchFamily="18" charset="0"/>
+                <a:cs typeface="Times New Roman" panose="02020603050405020304" pitchFamily="18" charset="0"/>
+              </a:rPr>
+              <a:t> по </a:t>
+            </a:r>
+            <a:r>
+              <a:rPr lang="ru-RU" sz="3300" dirty="0">
+                <a:latin typeface="Times New Roman" panose="02020603050405020304" pitchFamily="18" charset="0"/>
+                <a:cs typeface="Times New Roman" panose="02020603050405020304" pitchFamily="18" charset="0"/>
+              </a:rPr>
+              <a:t>ряду позиций.</a:t>
+            </a:r>
+          </a:p>
+          <a:p>
+            <a:r>
+              <a:rPr lang="ru-RU" sz="3300" dirty="0" smtClean="0">
+                <a:latin typeface="Times New Roman" panose="02020603050405020304" pitchFamily="18" charset="0"/>
+                <a:cs typeface="Times New Roman" panose="02020603050405020304" pitchFamily="18" charset="0"/>
+              </a:rPr>
+              <a:t>Проследить динамику изменения зарплаты по разным категориям в сравнении с предыдущими периодами.</a:t>
+            </a:r>
+          </a:p>
+          <a:p>
+            <a:r>
+              <a:rPr lang="ru-RU" sz="3300" dirty="0" smtClean="0">
+                <a:latin typeface="Times New Roman" panose="02020603050405020304" pitchFamily="18" charset="0"/>
+                <a:cs typeface="Times New Roman" panose="02020603050405020304" pitchFamily="18" charset="0"/>
+              </a:rPr>
+              <a:t>Провести </a:t>
+            </a:r>
+            <a:r>
+              <a:rPr lang="ru-RU" sz="3300" dirty="0">
+                <a:latin typeface="Times New Roman" panose="02020603050405020304" pitchFamily="18" charset="0"/>
+                <a:cs typeface="Times New Roman" panose="02020603050405020304" pitchFamily="18" charset="0"/>
+              </a:rPr>
+              <a:t>анализ </a:t>
+            </a:r>
+            <a:r>
+              <a:rPr lang="ru-RU" sz="3300" dirty="0" smtClean="0">
+                <a:latin typeface="Times New Roman" panose="02020603050405020304" pitchFamily="18" charset="0"/>
+                <a:cs typeface="Times New Roman" panose="02020603050405020304" pitchFamily="18" charset="0"/>
+              </a:rPr>
+              <a:t>заработных оплат по </a:t>
+            </a:r>
+            <a:r>
+              <a:rPr lang="ru-RU" sz="3300" dirty="0">
+                <a:latin typeface="Times New Roman" panose="02020603050405020304" pitchFamily="18" charset="0"/>
+                <a:cs typeface="Times New Roman" panose="02020603050405020304" pitchFamily="18" charset="0"/>
+              </a:rPr>
+              <a:t>должности за разные периоды</a:t>
+            </a:r>
+          </a:p>
+          <a:p>
             <a:endParaRPr lang="ru-RU" i="1" dirty="0">
               <a:solidFill>
                 <a:schemeClr val="tx1">
@@ -3433,283 +3606,40 @@
           </a:p>
           <a:p>
             <a:r>
-              <a:rPr lang="ru-RU" b="1" i="1" dirty="0" smtClean="0">
-                <a:solidFill>
-                  <a:schemeClr val="tx1">
-                    <a:lumMod val="65000"/>
-                    <a:lumOff val="35000"/>
-                  </a:schemeClr>
-                </a:solidFill>
-              </a:rPr>
-              <a:t>Цель </a:t>
-            </a:r>
-            <a:r>
-              <a:rPr lang="ru-RU" b="1" i="1" dirty="0">
-                <a:solidFill>
-                  <a:schemeClr val="tx1">
-                    <a:lumMod val="65000"/>
-                    <a:lumOff val="35000"/>
-                  </a:schemeClr>
-                </a:solidFill>
-              </a:rPr>
-              <a:t>моей работы </a:t>
-            </a:r>
-            <a:r>
-              <a:rPr lang="ru-RU" i="1" dirty="0">
-                <a:solidFill>
-                  <a:schemeClr val="tx1">
-                    <a:lumMod val="65000"/>
-                    <a:lumOff val="35000"/>
-                  </a:schemeClr>
-                </a:solidFill>
-              </a:rPr>
-              <a:t>провести анализ путем выбора инструмента зарплат сотрудников различных </a:t>
+              <a:rPr lang="en-US" i="1" dirty="0">
+                <a:latin typeface="Times New Roman" panose="02020603050405020304" pitchFamily="18" charset="0"/>
+                <a:cs typeface="Times New Roman" panose="02020603050405020304" pitchFamily="18" charset="0"/>
+                <a:hlinkClick r:id="rId2"/>
+              </a:rPr>
+              <a:t>https://</a:t>
+            </a:r>
+            <a:r>
+              <a:rPr lang="en-US" i="1" dirty="0" smtClean="0">
+                <a:latin typeface="Times New Roman" panose="02020603050405020304" pitchFamily="18" charset="0"/>
+                <a:cs typeface="Times New Roman" panose="02020603050405020304" pitchFamily="18" charset="0"/>
+                <a:hlinkClick r:id="rId2"/>
+              </a:rPr>
+              <a:t>github.com/Tatiana-tsar/homework.git</a:t>
             </a:r>
             <a:r>
               <a:rPr lang="ru-RU" i="1" dirty="0" smtClean="0">
-                <a:solidFill>
-                  <a:schemeClr val="tx1">
-                    <a:lumMod val="65000"/>
-                    <a:lumOff val="35000"/>
-                  </a:schemeClr>
-                </a:solidFill>
-              </a:rPr>
-              <a:t>департаментов (полиция, пожарные, медицина). </a:t>
-            </a:r>
-            <a:endParaRPr lang="ru-RU" i="1" dirty="0">
-              <a:solidFill>
-                <a:schemeClr val="tx1">
-                  <a:lumMod val="65000"/>
-                  <a:lumOff val="35000"/>
-                </a:schemeClr>
-              </a:solidFill>
+                <a:latin typeface="Times New Roman" panose="02020603050405020304" pitchFamily="18" charset="0"/>
+                <a:cs typeface="Times New Roman" panose="02020603050405020304" pitchFamily="18" charset="0"/>
+              </a:rPr>
+              <a:t> файл </a:t>
+            </a:r>
+            <a:r>
+              <a:rPr lang="en-US" dirty="0" err="1">
+                <a:latin typeface="Times New Roman" panose="02020603050405020304" pitchFamily="18" charset="0"/>
+                <a:cs typeface="Times New Roman" panose="02020603050405020304" pitchFamily="18" charset="0"/>
+                <a:hlinkClick r:id="rId3" tooltip="KURS.ipynb"/>
+              </a:rPr>
+              <a:t>KURS.ipynb</a:t>
+            </a:r>
+            <a:endParaRPr lang="ru-RU" dirty="0">
+              <a:latin typeface="Times New Roman" panose="02020603050405020304" pitchFamily="18" charset="0"/>
+              <a:cs typeface="Times New Roman" panose="02020603050405020304" pitchFamily="18" charset="0"/>
             </a:endParaRPr>
-          </a:p>
-          <a:p>
-            <a:r>
-              <a:rPr lang="ru-RU" i="1" dirty="0">
-                <a:solidFill>
-                  <a:schemeClr val="tx1">
-                    <a:lumMod val="65000"/>
-                    <a:lumOff val="35000"/>
-                  </a:schemeClr>
-                </a:solidFill>
-              </a:rPr>
-              <a:t>Наглядно продемонстрировать и показать на графиках, в таблицах , </a:t>
-            </a:r>
-            <a:r>
-              <a:rPr lang="ru-RU" i="1" dirty="0" smtClean="0">
-                <a:solidFill>
-                  <a:schemeClr val="tx1">
-                    <a:lumMod val="65000"/>
-                    <a:lumOff val="35000"/>
-                  </a:schemeClr>
-                </a:solidFill>
-              </a:rPr>
-              <a:t>используя различные  величины.</a:t>
-            </a:r>
-            <a:endParaRPr lang="ru-RU" i="1" dirty="0">
-              <a:solidFill>
-                <a:schemeClr val="tx1">
-                  <a:lumMod val="65000"/>
-                  <a:lumOff val="35000"/>
-                </a:schemeClr>
-              </a:solidFill>
-            </a:endParaRPr>
-          </a:p>
-          <a:p>
-            <a:r>
-              <a:rPr lang="ru-RU" i="1" dirty="0">
-                <a:solidFill>
-                  <a:schemeClr val="tx1">
-                    <a:lumMod val="65000"/>
-                    <a:lumOff val="35000"/>
-                  </a:schemeClr>
-                </a:solidFill>
-              </a:rPr>
-              <a:t>-</a:t>
-            </a:r>
-            <a:r>
-              <a:rPr lang="ru-RU" i="1" dirty="0" smtClean="0">
-                <a:solidFill>
-                  <a:schemeClr val="tx1">
-                    <a:lumMod val="65000"/>
-                    <a:lumOff val="35000"/>
-                  </a:schemeClr>
-                </a:solidFill>
-              </a:rPr>
-              <a:t>Рассмотреть </a:t>
-            </a:r>
-            <a:r>
-              <a:rPr lang="ru-RU" i="1" dirty="0">
-                <a:solidFill>
-                  <a:schemeClr val="tx1">
-                    <a:lumMod val="65000"/>
-                    <a:lumOff val="35000"/>
-                  </a:schemeClr>
-                </a:solidFill>
-              </a:rPr>
-              <a:t>базовую </a:t>
-            </a:r>
-            <a:r>
-              <a:rPr lang="ru-RU" i="1" dirty="0" smtClean="0">
-                <a:solidFill>
-                  <a:schemeClr val="tx1">
-                    <a:lumMod val="65000"/>
-                    <a:lumOff val="35000"/>
-                  </a:schemeClr>
-                </a:solidFill>
-              </a:rPr>
-              <a:t>сумму </a:t>
-            </a:r>
-            <a:r>
-              <a:rPr lang="ru-RU" i="1" dirty="0">
-                <a:solidFill>
-                  <a:schemeClr val="tx1">
-                    <a:lumMod val="65000"/>
-                    <a:lumOff val="35000"/>
-                  </a:schemeClr>
-                </a:solidFill>
-              </a:rPr>
-              <a:t>- оклад, </a:t>
-            </a:r>
-            <a:r>
-              <a:rPr lang="ru-RU" i="1" dirty="0" smtClean="0">
-                <a:solidFill>
-                  <a:schemeClr val="tx1">
-                    <a:lumMod val="65000"/>
-                    <a:lumOff val="35000"/>
-                  </a:schemeClr>
-                </a:solidFill>
-              </a:rPr>
-              <a:t>общая сумма </a:t>
-            </a:r>
-            <a:r>
-              <a:rPr lang="ru-RU" i="1" dirty="0" err="1" smtClean="0">
-                <a:solidFill>
-                  <a:schemeClr val="tx1">
-                    <a:lumMod val="65000"/>
-                    <a:lumOff val="35000"/>
-                  </a:schemeClr>
-                </a:solidFill>
-              </a:rPr>
-              <a:t>зп</a:t>
-            </a:r>
-            <a:r>
-              <a:rPr lang="ru-RU" i="1" dirty="0" smtClean="0">
-                <a:solidFill>
-                  <a:schemeClr val="tx1">
-                    <a:lumMod val="65000"/>
-                    <a:lumOff val="35000"/>
-                  </a:schemeClr>
-                </a:solidFill>
-              </a:rPr>
-              <a:t> по </a:t>
-            </a:r>
-            <a:r>
-              <a:rPr lang="ru-RU" i="1" dirty="0">
-                <a:solidFill>
-                  <a:schemeClr val="tx1">
-                    <a:lumMod val="65000"/>
-                    <a:lumOff val="35000"/>
-                  </a:schemeClr>
-                </a:solidFill>
-              </a:rPr>
-              <a:t>ряду позиций.</a:t>
-            </a:r>
-          </a:p>
-          <a:p>
-            <a:r>
-              <a:rPr lang="ru-RU" i="1" dirty="0">
-                <a:solidFill>
-                  <a:schemeClr val="tx1">
-                    <a:lumMod val="65000"/>
-                    <a:lumOff val="35000"/>
-                  </a:schemeClr>
-                </a:solidFill>
-              </a:rPr>
-              <a:t>-Динамику изменения зарплаты по разным категориям в сравнении с предыдущими периодами</a:t>
-            </a:r>
-          </a:p>
-          <a:p>
-            <a:r>
-              <a:rPr lang="ru-RU" i="1" dirty="0">
-                <a:solidFill>
-                  <a:schemeClr val="tx1">
-                    <a:lumMod val="65000"/>
-                    <a:lumOff val="35000"/>
-                  </a:schemeClr>
-                </a:solidFill>
-              </a:rPr>
-              <a:t>-политику организаций в области льгот</a:t>
-            </a:r>
-          </a:p>
-          <a:p>
-            <a:r>
-              <a:rPr lang="ru-RU" i="1" dirty="0">
-                <a:solidFill>
-                  <a:schemeClr val="tx1">
-                    <a:lumMod val="65000"/>
-                    <a:lumOff val="35000"/>
-                  </a:schemeClr>
-                </a:solidFill>
-              </a:rPr>
-              <a:t>-провести анализ по должности за разные периоды</a:t>
-            </a:r>
-          </a:p>
-          <a:p>
-            <a:endParaRPr lang="ru-RU" i="1" dirty="0">
-              <a:solidFill>
-                <a:schemeClr val="tx1">
-                  <a:lumMod val="65000"/>
-                  <a:lumOff val="35000"/>
-                </a:schemeClr>
-              </a:solidFill>
-            </a:endParaRPr>
-          </a:p>
-          <a:p>
-            <a:r>
-              <a:rPr lang="en-US" i="1" dirty="0">
-                <a:solidFill>
-                  <a:schemeClr val="tx1">
-                    <a:lumMod val="65000"/>
-                    <a:lumOff val="35000"/>
-                  </a:schemeClr>
-                </a:solidFill>
-                <a:hlinkClick r:id="rId2"/>
-              </a:rPr>
-              <a:t>https://</a:t>
-            </a:r>
-            <a:r>
-              <a:rPr lang="en-US" i="1" dirty="0" smtClean="0">
-                <a:solidFill>
-                  <a:schemeClr val="tx1">
-                    <a:lumMod val="65000"/>
-                    <a:lumOff val="35000"/>
-                  </a:schemeClr>
-                </a:solidFill>
-                <a:hlinkClick r:id="rId2"/>
-              </a:rPr>
-              <a:t>github.com/Tatiana-tsar/homework.git</a:t>
-            </a:r>
-            <a:r>
-              <a:rPr lang="ru-RU" i="1" dirty="0" smtClean="0">
-                <a:solidFill>
-                  <a:schemeClr val="tx1">
-                    <a:lumMod val="65000"/>
-                    <a:lumOff val="35000"/>
-                  </a:schemeClr>
-                </a:solidFill>
-              </a:rPr>
-              <a:t> файл </a:t>
-            </a:r>
-            <a:r>
-              <a:rPr lang="en-US" dirty="0" err="1">
-                <a:hlinkClick r:id="rId3" tooltip="KURS.ipynb"/>
-              </a:rPr>
-              <a:t>KURS.ipynb</a:t>
-            </a:r>
-            <a:endParaRPr lang="ru-RU" dirty="0"/>
           </a:p>
         </p:txBody>
       </p:sp>
@@ -3775,10 +3705,15 @@
             <p:ph idx="1"/>
           </p:nvPr>
         </p:nvSpPr>
-        <p:spPr/>
+        <p:spPr>
+          <a:xfrm>
+            <a:off x="669700" y="1365161"/>
+            <a:ext cx="10426521" cy="4773165"/>
+          </a:xfrm>
+        </p:spPr>
         <p:txBody>
           <a:bodyPr>
-            <a:normAutofit lnSpcReduction="10000"/>
+            <a:normAutofit/>
           </a:bodyPr>
           <a:lstStyle/>
           <a:p>
@@ -3786,57 +3721,37 @@
               <a:buAutoNum type="arabicPeriod"/>
             </a:pPr>
             <a:r>
-              <a:rPr lang="ru-RU" i="1" dirty="0" smtClean="0">
-                <a:solidFill>
-                  <a:schemeClr val="tx1">
-                    <a:lumMod val="65000"/>
-                    <a:lumOff val="35000"/>
-                  </a:schemeClr>
-                </a:solidFill>
-              </a:rPr>
-              <a:t>проведен </a:t>
-            </a:r>
-            <a:r>
-              <a:rPr lang="ru-RU" i="1" dirty="0">
-                <a:solidFill>
-                  <a:schemeClr val="tx1">
-                    <a:lumMod val="65000"/>
-                    <a:lumOff val="35000"/>
-                  </a:schemeClr>
-                </a:solidFill>
+              <a:rPr lang="ru-RU" dirty="0" smtClean="0">
+                <a:latin typeface="Times New Roman" panose="02020603050405020304" pitchFamily="18" charset="0"/>
+                <a:cs typeface="Times New Roman" panose="02020603050405020304" pitchFamily="18" charset="0"/>
+              </a:rPr>
+              <a:t>Проведен </a:t>
+            </a:r>
+            <a:r>
+              <a:rPr lang="ru-RU" dirty="0">
+                <a:latin typeface="Times New Roman" panose="02020603050405020304" pitchFamily="18" charset="0"/>
+                <a:cs typeface="Times New Roman" panose="02020603050405020304" pitchFamily="18" charset="0"/>
               </a:rPr>
               <a:t>анализ </a:t>
             </a:r>
             <a:r>
-              <a:rPr lang="ru-RU" i="1" dirty="0" smtClean="0">
-                <a:solidFill>
-                  <a:schemeClr val="tx1">
-                    <a:lumMod val="65000"/>
-                    <a:lumOff val="35000"/>
-                  </a:schemeClr>
-                </a:solidFill>
+              <a:rPr lang="ru-RU" dirty="0" smtClean="0">
+                <a:latin typeface="Times New Roman" panose="02020603050405020304" pitchFamily="18" charset="0"/>
+                <a:cs typeface="Times New Roman" panose="02020603050405020304" pitchFamily="18" charset="0"/>
               </a:rPr>
               <a:t>и корректировка нужных </a:t>
             </a:r>
             <a:r>
-              <a:rPr lang="ru-RU" i="1" dirty="0">
-                <a:solidFill>
-                  <a:schemeClr val="tx1">
-                    <a:lumMod val="65000"/>
-                    <a:lumOff val="35000"/>
-                  </a:schemeClr>
-                </a:solidFill>
+              <a:rPr lang="ru-RU" dirty="0">
+                <a:latin typeface="Times New Roman" panose="02020603050405020304" pitchFamily="18" charset="0"/>
+                <a:cs typeface="Times New Roman" panose="02020603050405020304" pitchFamily="18" charset="0"/>
               </a:rPr>
               <a:t>нам параметров находящихся в </a:t>
             </a:r>
             <a:r>
-              <a:rPr lang="ru-RU" i="1" dirty="0" smtClean="0">
-                <a:solidFill>
-                  <a:schemeClr val="tx1">
-                    <a:lumMod val="65000"/>
-                    <a:lumOff val="35000"/>
-                  </a:schemeClr>
-                </a:solidFill>
+              <a:rPr lang="ru-RU" dirty="0" smtClean="0">
+                <a:latin typeface="Times New Roman" panose="02020603050405020304" pitchFamily="18" charset="0"/>
+                <a:cs typeface="Times New Roman" panose="02020603050405020304" pitchFamily="18" charset="0"/>
               </a:rPr>
               <a:t>файле.</a:t>
             </a:r>
@@ -3846,78 +3761,57 @@
               <a:buAutoNum type="arabicPeriod"/>
             </a:pPr>
             <a:r>
-              <a:rPr lang="ru-RU" i="1" dirty="0" smtClean="0">
-                <a:solidFill>
-                  <a:schemeClr val="tx1">
-                    <a:lumMod val="65000"/>
-                    <a:lumOff val="35000"/>
-                  </a:schemeClr>
-                </a:solidFill>
-              </a:rPr>
-              <a:t>проведена группировка </a:t>
-            </a:r>
-            <a:r>
-              <a:rPr lang="ru-RU" i="1" dirty="0">
-                <a:solidFill>
-                  <a:schemeClr val="tx1">
-                    <a:lumMod val="65000"/>
-                    <a:lumOff val="35000"/>
-                  </a:schemeClr>
-                </a:solidFill>
+              <a:rPr lang="ru-RU" dirty="0" smtClean="0">
+                <a:latin typeface="Times New Roman" panose="02020603050405020304" pitchFamily="18" charset="0"/>
+                <a:cs typeface="Times New Roman" panose="02020603050405020304" pitchFamily="18" charset="0"/>
+              </a:rPr>
+              <a:t>Проведена </a:t>
+            </a:r>
+            <a:r>
+              <a:rPr lang="ru-RU" dirty="0" smtClean="0">
+                <a:latin typeface="Times New Roman" panose="02020603050405020304" pitchFamily="18" charset="0"/>
+                <a:cs typeface="Times New Roman" panose="02020603050405020304" pitchFamily="18" charset="0"/>
+              </a:rPr>
+              <a:t>группировка </a:t>
+            </a:r>
+            <a:r>
+              <a:rPr lang="ru-RU" dirty="0">
+                <a:latin typeface="Times New Roman" panose="02020603050405020304" pitchFamily="18" charset="0"/>
+                <a:cs typeface="Times New Roman" panose="02020603050405020304" pitchFamily="18" charset="0"/>
               </a:rPr>
               <a:t>по </a:t>
             </a:r>
             <a:r>
-              <a:rPr lang="ru-RU" i="1" dirty="0" smtClean="0">
-                <a:solidFill>
-                  <a:schemeClr val="tx1">
-                    <a:lumMod val="65000"/>
-                    <a:lumOff val="35000"/>
-                  </a:schemeClr>
-                </a:solidFill>
+              <a:rPr lang="ru-RU" dirty="0" smtClean="0">
+                <a:latin typeface="Times New Roman" panose="02020603050405020304" pitchFamily="18" charset="0"/>
+                <a:cs typeface="Times New Roman" panose="02020603050405020304" pitchFamily="18" charset="0"/>
               </a:rPr>
               <a:t>департаментам</a:t>
             </a:r>
             <a:r>
-              <a:rPr lang="en-US" i="1" dirty="0" smtClean="0">
-                <a:solidFill>
-                  <a:schemeClr val="tx1">
-                    <a:lumMod val="65000"/>
-                    <a:lumOff val="35000"/>
-                  </a:schemeClr>
-                </a:solidFill>
+              <a:rPr lang="en-US" dirty="0" smtClean="0">
+                <a:latin typeface="Times New Roman" panose="02020603050405020304" pitchFamily="18" charset="0"/>
+                <a:cs typeface="Times New Roman" panose="02020603050405020304" pitchFamily="18" charset="0"/>
               </a:rPr>
               <a:t> </a:t>
             </a:r>
             <a:r>
-              <a:rPr lang="en-US" i="1" dirty="0">
-                <a:solidFill>
-                  <a:schemeClr val="tx1">
-                    <a:lumMod val="65000"/>
-                    <a:lumOff val="35000"/>
-                  </a:schemeClr>
-                </a:solidFill>
+              <a:rPr lang="en-US" dirty="0">
+                <a:latin typeface="Times New Roman" panose="02020603050405020304" pitchFamily="18" charset="0"/>
+                <a:cs typeface="Times New Roman" panose="02020603050405020304" pitchFamily="18" charset="0"/>
               </a:rPr>
               <a:t>- fire, medicine, </a:t>
             </a:r>
             <a:r>
-              <a:rPr lang="en-US" i="1" dirty="0" smtClean="0">
-                <a:solidFill>
-                  <a:schemeClr val="tx1">
-                    <a:lumMod val="65000"/>
-                    <a:lumOff val="35000"/>
-                  </a:schemeClr>
-                </a:solidFill>
+              <a:rPr lang="en-US" dirty="0" smtClean="0">
+                <a:latin typeface="Times New Roman" panose="02020603050405020304" pitchFamily="18" charset="0"/>
+                <a:cs typeface="Times New Roman" panose="02020603050405020304" pitchFamily="18" charset="0"/>
               </a:rPr>
               <a:t>police</a:t>
             </a:r>
-            <a:endParaRPr lang="ru-RU" i="1" dirty="0" smtClean="0">
-              <a:solidFill>
-                <a:schemeClr val="tx1">
-                  <a:lumMod val="65000"/>
-                  <a:lumOff val="35000"/>
-                </a:schemeClr>
-              </a:solidFill>
+            <a:endParaRPr lang="ru-RU" dirty="0" smtClean="0">
+              <a:latin typeface="Times New Roman" panose="02020603050405020304" pitchFamily="18" charset="0"/>
+              <a:cs typeface="Times New Roman" panose="02020603050405020304" pitchFamily="18" charset="0"/>
             </a:endParaRPr>
           </a:p>
           <a:p>
@@ -3925,101 +3819,72 @@
               <a:buAutoNum type="arabicPeriod"/>
             </a:pPr>
             <a:r>
-              <a:rPr lang="ru-RU" i="1" dirty="0" smtClean="0">
-                <a:solidFill>
-                  <a:schemeClr val="tx1">
-                    <a:lumMod val="65000"/>
-                    <a:lumOff val="35000"/>
-                  </a:schemeClr>
-                </a:solidFill>
+              <a:rPr lang="ru-RU" dirty="0" smtClean="0">
+                <a:latin typeface="Times New Roman" panose="02020603050405020304" pitchFamily="18" charset="0"/>
+                <a:cs typeface="Times New Roman" panose="02020603050405020304" pitchFamily="18" charset="0"/>
               </a:rPr>
               <a:t>Сравнение значений (общая сумма </a:t>
             </a:r>
             <a:r>
-              <a:rPr lang="ru-RU" i="1" dirty="0" err="1" smtClean="0">
-                <a:solidFill>
-                  <a:schemeClr val="tx1">
-                    <a:lumMod val="65000"/>
-                    <a:lumOff val="35000"/>
-                  </a:schemeClr>
-                </a:solidFill>
+              <a:rPr lang="ru-RU" dirty="0" err="1" smtClean="0">
+                <a:latin typeface="Times New Roman" panose="02020603050405020304" pitchFamily="18" charset="0"/>
+                <a:cs typeface="Times New Roman" panose="02020603050405020304" pitchFamily="18" charset="0"/>
               </a:rPr>
               <a:t>зп</a:t>
             </a:r>
             <a:r>
-              <a:rPr lang="ru-RU" i="1" dirty="0" smtClean="0">
-                <a:solidFill>
-                  <a:schemeClr val="tx1">
-                    <a:lumMod val="65000"/>
-                    <a:lumOff val="35000"/>
-                  </a:schemeClr>
-                </a:solidFill>
+              <a:rPr lang="ru-RU" dirty="0" smtClean="0">
+                <a:latin typeface="Times New Roman" panose="02020603050405020304" pitchFamily="18" charset="0"/>
+                <a:cs typeface="Times New Roman" panose="02020603050405020304" pitchFamily="18" charset="0"/>
               </a:rPr>
               <a:t>, основная, сверхурочная, льготы) </a:t>
             </a:r>
             <a:r>
-              <a:rPr lang="ru-RU" i="1" dirty="0">
-                <a:solidFill>
-                  <a:schemeClr val="tx1">
-                    <a:lumMod val="65000"/>
-                    <a:lumOff val="35000"/>
-                  </a:schemeClr>
-                </a:solidFill>
+              <a:rPr lang="ru-RU" dirty="0">
+                <a:latin typeface="Times New Roman" panose="02020603050405020304" pitchFamily="18" charset="0"/>
+                <a:cs typeface="Times New Roman" panose="02020603050405020304" pitchFamily="18" charset="0"/>
               </a:rPr>
               <a:t>между департаментами; </a:t>
             </a:r>
             <a:r>
-              <a:rPr lang="ru-RU" i="1" dirty="0" smtClean="0">
-                <a:solidFill>
-                  <a:schemeClr val="tx1">
-                    <a:lumMod val="65000"/>
-                    <a:lumOff val="35000"/>
-                  </a:schemeClr>
-                </a:solidFill>
+              <a:rPr lang="ru-RU" dirty="0" smtClean="0">
+                <a:latin typeface="Times New Roman" panose="02020603050405020304" pitchFamily="18" charset="0"/>
+                <a:cs typeface="Times New Roman" panose="02020603050405020304" pitchFamily="18" charset="0"/>
               </a:rPr>
               <a:t>на основе основной суммы </a:t>
             </a:r>
             <a:r>
-              <a:rPr lang="ru-RU" i="1" dirty="0" err="1" smtClean="0">
-                <a:solidFill>
-                  <a:schemeClr val="tx1">
-                    <a:lumMod val="65000"/>
-                    <a:lumOff val="35000"/>
-                  </a:schemeClr>
-                </a:solidFill>
+              <a:rPr lang="ru-RU" dirty="0" err="1" smtClean="0">
+                <a:latin typeface="Times New Roman" panose="02020603050405020304" pitchFamily="18" charset="0"/>
+                <a:cs typeface="Times New Roman" panose="02020603050405020304" pitchFamily="18" charset="0"/>
               </a:rPr>
               <a:t>зп</a:t>
             </a:r>
             <a:r>
-              <a:rPr lang="ru-RU" i="1" dirty="0" smtClean="0">
-                <a:solidFill>
-                  <a:schemeClr val="tx1">
-                    <a:lumMod val="65000"/>
-                    <a:lumOff val="35000"/>
-                  </a:schemeClr>
-                </a:solidFill>
-              </a:rPr>
-              <a:t> рассмотрено-количество </a:t>
-            </a:r>
-            <a:r>
-              <a:rPr lang="ru-RU" i="1" dirty="0">
-                <a:solidFill>
-                  <a:schemeClr val="tx1">
-                    <a:lumMod val="65000"/>
-                    <a:lumOff val="35000"/>
-                  </a:schemeClr>
-                </a:solidFill>
+              <a:rPr lang="ru-RU" dirty="0" smtClean="0">
+                <a:latin typeface="Times New Roman" panose="02020603050405020304" pitchFamily="18" charset="0"/>
+                <a:cs typeface="Times New Roman" panose="02020603050405020304" pitchFamily="18" charset="0"/>
+              </a:rPr>
+              <a:t> </a:t>
+            </a:r>
+            <a:r>
+              <a:rPr lang="ru-RU" dirty="0" smtClean="0">
+                <a:latin typeface="Times New Roman" panose="02020603050405020304" pitchFamily="18" charset="0"/>
+                <a:cs typeface="Times New Roman" panose="02020603050405020304" pitchFamily="18" charset="0"/>
+              </a:rPr>
+              <a:t>рассмотрено количество </a:t>
+            </a:r>
+            <a:r>
+              <a:rPr lang="ru-RU" dirty="0">
+                <a:latin typeface="Times New Roman" panose="02020603050405020304" pitchFamily="18" charset="0"/>
+                <a:cs typeface="Times New Roman" panose="02020603050405020304" pitchFamily="18" charset="0"/>
               </a:rPr>
               <a:t>с разным уровнем </a:t>
             </a:r>
             <a:r>
-              <a:rPr lang="ru-RU" i="1" dirty="0" smtClean="0">
-                <a:solidFill>
-                  <a:schemeClr val="tx1">
-                    <a:lumMod val="65000"/>
-                    <a:lumOff val="35000"/>
-                  </a:schemeClr>
-                </a:solidFill>
+              <a:rPr lang="ru-RU" dirty="0" smtClean="0">
+                <a:latin typeface="Times New Roman" panose="02020603050405020304" pitchFamily="18" charset="0"/>
+                <a:cs typeface="Times New Roman" panose="02020603050405020304" pitchFamily="18" charset="0"/>
               </a:rPr>
               <a:t>дохода (гистограмма).</a:t>
             </a:r>
@@ -4029,62 +3894,53 @@
               <a:buAutoNum type="arabicPeriod"/>
             </a:pPr>
             <a:r>
-              <a:rPr lang="ru-RU" i="1" dirty="0" smtClean="0">
-                <a:solidFill>
-                  <a:schemeClr val="tx1">
-                    <a:lumMod val="65000"/>
-                    <a:lumOff val="35000"/>
-                  </a:schemeClr>
-                </a:solidFill>
-              </a:rPr>
-              <a:t>Рассмотрена связь с инфляцией</a:t>
-            </a:r>
+              <a:rPr lang="ru-RU" dirty="0" smtClean="0">
+                <a:latin typeface="Times New Roman" panose="02020603050405020304" pitchFamily="18" charset="0"/>
+                <a:cs typeface="Times New Roman" panose="02020603050405020304" pitchFamily="18" charset="0"/>
+              </a:rPr>
+              <a:t>Рассмотрена связь с </a:t>
+            </a:r>
+            <a:r>
+              <a:rPr lang="ru-RU" dirty="0" smtClean="0">
+                <a:latin typeface="Times New Roman" panose="02020603050405020304" pitchFamily="18" charset="0"/>
+                <a:cs typeface="Times New Roman" panose="02020603050405020304" pitchFamily="18" charset="0"/>
+              </a:rPr>
+              <a:t>инфляцией.</a:t>
+            </a:r>
+            <a:endParaRPr lang="ru-RU" dirty="0" smtClean="0">
+              <a:latin typeface="Times New Roman" panose="02020603050405020304" pitchFamily="18" charset="0"/>
+              <a:cs typeface="Times New Roman" panose="02020603050405020304" pitchFamily="18" charset="0"/>
+            </a:endParaRPr>
           </a:p>
           <a:p>
             <a:pPr marL="514350" indent="-514350">
               <a:buAutoNum type="arabicPeriod"/>
             </a:pPr>
             <a:r>
-              <a:rPr lang="ru-RU" i="1" dirty="0">
-                <a:solidFill>
-                  <a:schemeClr val="tx1">
-                    <a:lumMod val="65000"/>
-                    <a:lumOff val="35000"/>
-                  </a:schemeClr>
-                </a:solidFill>
+              <a:rPr lang="ru-RU" dirty="0">
+                <a:latin typeface="Times New Roman" panose="02020603050405020304" pitchFamily="18" charset="0"/>
+                <a:cs typeface="Times New Roman" panose="02020603050405020304" pitchFamily="18" charset="0"/>
               </a:rPr>
               <a:t>На базе линейной регрессии </a:t>
             </a:r>
             <a:r>
-              <a:rPr lang="ru-RU" i="1" dirty="0" smtClean="0">
-                <a:solidFill>
-                  <a:schemeClr val="tx1">
-                    <a:lumMod val="65000"/>
-                    <a:lumOff val="35000"/>
-                  </a:schemeClr>
-                </a:solidFill>
+              <a:rPr lang="ru-RU" dirty="0" smtClean="0">
+                <a:latin typeface="Times New Roman" panose="02020603050405020304" pitchFamily="18" charset="0"/>
+                <a:cs typeface="Times New Roman" panose="02020603050405020304" pitchFamily="18" charset="0"/>
               </a:rPr>
               <a:t>проведен </a:t>
             </a:r>
             <a:r>
-              <a:rPr lang="ru-RU" i="1" dirty="0">
-                <a:solidFill>
-                  <a:schemeClr val="tx1">
-                    <a:lumMod val="65000"/>
-                    <a:lumOff val="35000"/>
-                  </a:schemeClr>
-                </a:solidFill>
+              <a:rPr lang="ru-RU" dirty="0">
+                <a:latin typeface="Times New Roman" panose="02020603050405020304" pitchFamily="18" charset="0"/>
+                <a:cs typeface="Times New Roman" panose="02020603050405020304" pitchFamily="18" charset="0"/>
               </a:rPr>
               <a:t>прогноз по </a:t>
             </a:r>
             <a:r>
-              <a:rPr lang="ru-RU" i="1" dirty="0" smtClean="0">
-                <a:solidFill>
-                  <a:schemeClr val="tx1">
-                    <a:lumMod val="65000"/>
-                    <a:lumOff val="35000"/>
-                  </a:schemeClr>
-                </a:solidFill>
+              <a:rPr lang="ru-RU" dirty="0" smtClean="0">
+                <a:latin typeface="Times New Roman" panose="02020603050405020304" pitchFamily="18" charset="0"/>
+                <a:cs typeface="Times New Roman" panose="02020603050405020304" pitchFamily="18" charset="0"/>
               </a:rPr>
               <a:t>должности. </a:t>
             </a:r>
@@ -4178,318 +4034,363 @@
         </p:nvSpPr>
         <p:spPr>
           <a:xfrm>
-            <a:off x="838200" y="1473200"/>
-            <a:ext cx="10528300" cy="4843463"/>
+            <a:off x="838199" y="1473200"/>
+            <a:ext cx="10765665" cy="4843463"/>
           </a:xfrm>
         </p:spPr>
         <p:txBody>
           <a:bodyPr>
-            <a:normAutofit lnSpcReduction="10000"/>
+            <a:normAutofit fontScale="92500"/>
           </a:bodyPr>
           <a:lstStyle/>
           <a:p>
             <a:r>
-              <a:rPr lang="ru-RU" i="1" dirty="0" smtClean="0">
-                <a:solidFill>
-                  <a:schemeClr val="tx1">
-                    <a:lumMod val="65000"/>
-                    <a:lumOff val="35000"/>
-                  </a:schemeClr>
-                </a:solidFill>
+              <a:rPr lang="ru-RU" dirty="0" smtClean="0">
+                <a:latin typeface="Times New Roman" panose="02020603050405020304" pitchFamily="18" charset="0"/>
+                <a:cs typeface="Times New Roman" panose="02020603050405020304" pitchFamily="18" charset="0"/>
               </a:rPr>
               <a:t>Для анализа данных используется файл *.</a:t>
             </a:r>
             <a:r>
-              <a:rPr lang="en-US" i="1" dirty="0">
-                <a:solidFill>
-                  <a:schemeClr val="tx1">
-                    <a:lumMod val="65000"/>
-                    <a:lumOff val="35000"/>
-                  </a:schemeClr>
-                </a:solidFill>
+              <a:rPr lang="en-US" dirty="0">
+                <a:latin typeface="Times New Roman" panose="02020603050405020304" pitchFamily="18" charset="0"/>
+                <a:cs typeface="Times New Roman" panose="02020603050405020304" pitchFamily="18" charset="0"/>
               </a:rPr>
               <a:t> </a:t>
             </a:r>
             <a:r>
-              <a:rPr lang="ru-RU" i="1" dirty="0">
-                <a:solidFill>
-                  <a:schemeClr val="tx1">
-                    <a:lumMod val="65000"/>
-                    <a:lumOff val="35000"/>
-                  </a:schemeClr>
-                </a:solidFill>
+              <a:rPr lang="ru-RU" dirty="0">
+                <a:latin typeface="Times New Roman" panose="02020603050405020304" pitchFamily="18" charset="0"/>
+                <a:cs typeface="Times New Roman" panose="02020603050405020304" pitchFamily="18" charset="0"/>
               </a:rPr>
               <a:t>с</a:t>
             </a:r>
             <a:r>
-              <a:rPr lang="en-US" i="1" dirty="0" err="1" smtClean="0">
-                <a:solidFill>
-                  <a:schemeClr val="tx1">
-                    <a:lumMod val="65000"/>
-                    <a:lumOff val="35000"/>
-                  </a:schemeClr>
-                </a:solidFill>
+              <a:rPr lang="en-US" dirty="0" err="1" smtClean="0">
+                <a:latin typeface="Times New Roman" panose="02020603050405020304" pitchFamily="18" charset="0"/>
+                <a:cs typeface="Times New Roman" panose="02020603050405020304" pitchFamily="18" charset="0"/>
               </a:rPr>
               <a:t>sv</a:t>
             </a:r>
             <a:r>
-              <a:rPr lang="ru-RU" i="1" dirty="0" smtClean="0">
-                <a:solidFill>
-                  <a:schemeClr val="tx1">
-                    <a:lumMod val="65000"/>
-                    <a:lumOff val="35000"/>
-                  </a:schemeClr>
-                </a:solidFill>
-              </a:rPr>
-              <a:t> формата с перечнем данных по зарплатам.</a:t>
-            </a:r>
-          </a:p>
-          <a:p>
-            <a:r>
-              <a:rPr lang="ru-RU" i="1" dirty="0" smtClean="0">
-                <a:solidFill>
-                  <a:schemeClr val="tx1">
-                    <a:lumMod val="65000"/>
-                    <a:lumOff val="35000"/>
-                  </a:schemeClr>
-                </a:solidFill>
+              <a:rPr lang="ru-RU" dirty="0" smtClean="0">
+                <a:latin typeface="Times New Roman" panose="02020603050405020304" pitchFamily="18" charset="0"/>
+                <a:cs typeface="Times New Roman" panose="02020603050405020304" pitchFamily="18" charset="0"/>
+              </a:rPr>
+              <a:t> формата с перечнем данных </a:t>
+            </a:r>
+            <a:r>
+              <a:rPr lang="ru-RU" dirty="0" smtClean="0">
+                <a:latin typeface="Times New Roman" panose="02020603050405020304" pitchFamily="18" charset="0"/>
+                <a:cs typeface="Times New Roman" panose="02020603050405020304" pitchFamily="18" charset="0"/>
+              </a:rPr>
+              <a:t>сотрудников различных департаментов.</a:t>
+            </a:r>
+            <a:endParaRPr lang="ru-RU" dirty="0" smtClean="0">
+              <a:latin typeface="Times New Roman" panose="02020603050405020304" pitchFamily="18" charset="0"/>
+              <a:cs typeface="Times New Roman" panose="02020603050405020304" pitchFamily="18" charset="0"/>
+            </a:endParaRPr>
+          </a:p>
+          <a:p>
+            <a:r>
+              <a:rPr lang="ru-RU" dirty="0" smtClean="0">
+                <a:latin typeface="Times New Roman" panose="02020603050405020304" pitchFamily="18" charset="0"/>
+                <a:cs typeface="Times New Roman" panose="02020603050405020304" pitchFamily="18" charset="0"/>
               </a:rPr>
               <a:t>Среди данных по значению </a:t>
             </a:r>
             <a:r>
-              <a:rPr lang="en-US" b="1" dirty="0" err="1" smtClean="0"/>
+              <a:rPr lang="en-US" b="1" dirty="0" err="1" smtClean="0">
+                <a:latin typeface="Times New Roman" panose="02020603050405020304" pitchFamily="18" charset="0"/>
+                <a:cs typeface="Times New Roman" panose="02020603050405020304" pitchFamily="18" charset="0"/>
+              </a:rPr>
               <a:t>JobTitle</a:t>
             </a:r>
             <a:r>
-              <a:rPr lang="ru-RU" b="1" dirty="0" smtClean="0"/>
-              <a:t> – </a:t>
-            </a:r>
-            <a:r>
-              <a:rPr lang="ru-RU" i="1" dirty="0" smtClean="0">
-                <a:solidFill>
-                  <a:schemeClr val="tx1">
-                    <a:lumMod val="65000"/>
-                    <a:lumOff val="35000"/>
-                  </a:schemeClr>
-                </a:solidFill>
-              </a:rPr>
-              <a:t>должность сотрудника проведена выборка (по ключевым словам) необходимых департаментов</a:t>
-            </a:r>
-            <a:r>
-              <a:rPr lang="ru-RU" i="1" dirty="0" smtClean="0">
-                <a:solidFill>
-                  <a:schemeClr val="tx1">
-                    <a:lumMod val="65000"/>
-                    <a:lumOff val="35000"/>
-                  </a:schemeClr>
-                </a:solidFill>
-              </a:rPr>
-              <a:t>; </a:t>
-            </a:r>
-          </a:p>
-          <a:p>
-            <a:r>
-              <a:rPr lang="ru-RU" i="1" dirty="0" smtClean="0">
-                <a:solidFill>
-                  <a:schemeClr val="tx1">
-                    <a:lumMod val="65000"/>
-                    <a:lumOff val="35000"/>
-                  </a:schemeClr>
-                </a:solidFill>
-              </a:rPr>
-              <a:t>суммы</a:t>
-            </a:r>
-            <a:r>
-              <a:rPr lang="ru-RU" i="1" dirty="0" smtClean="0">
-                <a:solidFill>
-                  <a:schemeClr val="tx1">
-                    <a:lumMod val="65000"/>
-                    <a:lumOff val="35000"/>
-                  </a:schemeClr>
-                </a:solidFill>
-              </a:rPr>
-              <a:t> – </a:t>
-            </a:r>
-            <a:r>
-              <a:rPr lang="en-US" dirty="0" err="1" smtClean="0"/>
+              <a:rPr lang="ru-RU" b="1" dirty="0" smtClean="0">
+                <a:latin typeface="Times New Roman" panose="02020603050405020304" pitchFamily="18" charset="0"/>
+                <a:cs typeface="Times New Roman" panose="02020603050405020304" pitchFamily="18" charset="0"/>
+              </a:rPr>
+              <a:t> </a:t>
+            </a:r>
+            <a:r>
+              <a:rPr lang="ru-RU" b="1" dirty="0" smtClean="0">
+                <a:latin typeface="Times New Roman" panose="02020603050405020304" pitchFamily="18" charset="0"/>
+                <a:cs typeface="Times New Roman" panose="02020603050405020304" pitchFamily="18" charset="0"/>
+              </a:rPr>
+              <a:t>(</a:t>
+            </a:r>
+            <a:r>
+              <a:rPr lang="ru-RU" dirty="0" smtClean="0">
+                <a:latin typeface="Times New Roman" panose="02020603050405020304" pitchFamily="18" charset="0"/>
+                <a:cs typeface="Times New Roman" panose="02020603050405020304" pitchFamily="18" charset="0"/>
+              </a:rPr>
+              <a:t>должность сотрудника) проведена </a:t>
+            </a:r>
+            <a:r>
+              <a:rPr lang="ru-RU" dirty="0" smtClean="0">
+                <a:latin typeface="Times New Roman" panose="02020603050405020304" pitchFamily="18" charset="0"/>
+                <a:cs typeface="Times New Roman" panose="02020603050405020304" pitchFamily="18" charset="0"/>
+              </a:rPr>
+              <a:t>выборка (по ключевым словам) необходимых департаментов; </a:t>
+            </a:r>
+          </a:p>
+          <a:p>
+            <a:r>
+              <a:rPr lang="ru-RU" dirty="0">
+                <a:latin typeface="Times New Roman" panose="02020603050405020304" pitchFamily="18" charset="0"/>
+                <a:cs typeface="Times New Roman" panose="02020603050405020304" pitchFamily="18" charset="0"/>
+              </a:rPr>
+              <a:t>С</a:t>
+            </a:r>
+            <a:r>
+              <a:rPr lang="ru-RU" dirty="0" smtClean="0">
+                <a:latin typeface="Times New Roman" panose="02020603050405020304" pitchFamily="18" charset="0"/>
+                <a:cs typeface="Times New Roman" panose="02020603050405020304" pitchFamily="18" charset="0"/>
+              </a:rPr>
+              <a:t>уммы </a:t>
+            </a:r>
+            <a:r>
+              <a:rPr lang="ru-RU" dirty="0" smtClean="0">
+                <a:latin typeface="Times New Roman" panose="02020603050405020304" pitchFamily="18" charset="0"/>
+                <a:cs typeface="Times New Roman" panose="02020603050405020304" pitchFamily="18" charset="0"/>
+              </a:rPr>
+              <a:t>– </a:t>
+            </a:r>
+            <a:r>
+              <a:rPr lang="en-US" dirty="0" err="1" smtClean="0">
+                <a:latin typeface="Times New Roman" panose="02020603050405020304" pitchFamily="18" charset="0"/>
+                <a:cs typeface="Times New Roman" panose="02020603050405020304" pitchFamily="18" charset="0"/>
+              </a:rPr>
               <a:t>BasePay</a:t>
             </a:r>
             <a:r>
-              <a:rPr lang="ru-RU" dirty="0" smtClean="0"/>
-              <a:t> – </a:t>
-            </a:r>
-            <a:r>
-              <a:rPr lang="ru-RU" i="1" dirty="0" smtClean="0"/>
-              <a:t>основная сумма, </a:t>
-            </a:r>
-            <a:r>
-              <a:rPr lang="en-US" i="1" dirty="0" err="1" smtClean="0"/>
+              <a:rPr lang="ru-RU" dirty="0" smtClean="0">
+                <a:latin typeface="Times New Roman" panose="02020603050405020304" pitchFamily="18" charset="0"/>
+                <a:cs typeface="Times New Roman" panose="02020603050405020304" pitchFamily="18" charset="0"/>
+              </a:rPr>
+              <a:t> </a:t>
+            </a:r>
+            <a:r>
+              <a:rPr lang="ru-RU" dirty="0" smtClean="0">
+                <a:latin typeface="Times New Roman" panose="02020603050405020304" pitchFamily="18" charset="0"/>
+                <a:cs typeface="Times New Roman" panose="02020603050405020304" pitchFamily="18" charset="0"/>
+              </a:rPr>
+              <a:t>(основная сумма, оклад), </a:t>
+            </a:r>
+            <a:r>
+              <a:rPr lang="en-US" dirty="0" err="1" smtClean="0">
+                <a:latin typeface="Times New Roman" panose="02020603050405020304" pitchFamily="18" charset="0"/>
+                <a:cs typeface="Times New Roman" panose="02020603050405020304" pitchFamily="18" charset="0"/>
+              </a:rPr>
               <a:t>OvertimePay</a:t>
             </a:r>
             <a:r>
-              <a:rPr lang="ru-RU" i="1" dirty="0" smtClean="0"/>
-              <a:t> –сверхурочная, </a:t>
-            </a:r>
-            <a:r>
-              <a:rPr lang="en-US" i="1" dirty="0" err="1" smtClean="0"/>
+              <a:rPr lang="ru-RU" dirty="0" smtClean="0">
+                <a:latin typeface="Times New Roman" panose="02020603050405020304" pitchFamily="18" charset="0"/>
+                <a:cs typeface="Times New Roman" panose="02020603050405020304" pitchFamily="18" charset="0"/>
+              </a:rPr>
+              <a:t> </a:t>
+            </a:r>
+            <a:r>
+              <a:rPr lang="ru-RU" dirty="0" smtClean="0">
+                <a:latin typeface="Times New Roman" panose="02020603050405020304" pitchFamily="18" charset="0"/>
+                <a:cs typeface="Times New Roman" panose="02020603050405020304" pitchFamily="18" charset="0"/>
+              </a:rPr>
+              <a:t>(сверхурочная), </a:t>
+            </a:r>
+            <a:r>
+              <a:rPr lang="en-US" dirty="0" err="1" smtClean="0">
+                <a:latin typeface="Times New Roman" panose="02020603050405020304" pitchFamily="18" charset="0"/>
+                <a:cs typeface="Times New Roman" panose="02020603050405020304" pitchFamily="18" charset="0"/>
+              </a:rPr>
               <a:t>OtherPay</a:t>
             </a:r>
             <a:r>
-              <a:rPr lang="ru-RU" i="1" dirty="0" smtClean="0"/>
-              <a:t> – сумма льгот, </a:t>
-            </a:r>
-            <a:r>
-              <a:rPr lang="en-US" i="1" dirty="0" err="1" smtClean="0"/>
+              <a:rPr lang="ru-RU" dirty="0" smtClean="0">
+                <a:latin typeface="Times New Roman" panose="02020603050405020304" pitchFamily="18" charset="0"/>
+                <a:cs typeface="Times New Roman" panose="02020603050405020304" pitchFamily="18" charset="0"/>
+              </a:rPr>
+              <a:t> </a:t>
+            </a:r>
+            <a:r>
+              <a:rPr lang="ru-RU" dirty="0" smtClean="0">
+                <a:latin typeface="Times New Roman" panose="02020603050405020304" pitchFamily="18" charset="0"/>
+                <a:cs typeface="Times New Roman" panose="02020603050405020304" pitchFamily="18" charset="0"/>
+              </a:rPr>
+              <a:t>(сумма льгот), </a:t>
+            </a:r>
+            <a:r>
+              <a:rPr lang="en-US" dirty="0" err="1" smtClean="0">
+                <a:latin typeface="Times New Roman" panose="02020603050405020304" pitchFamily="18" charset="0"/>
+                <a:cs typeface="Times New Roman" panose="02020603050405020304" pitchFamily="18" charset="0"/>
+              </a:rPr>
               <a:t>TotalPay</a:t>
             </a:r>
             <a:r>
-              <a:rPr lang="ru-RU" i="1" dirty="0" smtClean="0"/>
-              <a:t>- общая сумма </a:t>
-            </a:r>
-            <a:r>
-              <a:rPr lang="ru-RU" i="1" dirty="0" err="1" smtClean="0"/>
+              <a:rPr lang="ru-RU" dirty="0" smtClean="0">
+                <a:latin typeface="Times New Roman" panose="02020603050405020304" pitchFamily="18" charset="0"/>
+                <a:cs typeface="Times New Roman" panose="02020603050405020304" pitchFamily="18" charset="0"/>
+              </a:rPr>
+              <a:t> (общая </a:t>
+            </a:r>
+            <a:r>
+              <a:rPr lang="ru-RU" dirty="0" smtClean="0">
+                <a:latin typeface="Times New Roman" panose="02020603050405020304" pitchFamily="18" charset="0"/>
+                <a:cs typeface="Times New Roman" panose="02020603050405020304" pitchFamily="18" charset="0"/>
+              </a:rPr>
+              <a:t>сумма </a:t>
+            </a:r>
+            <a:r>
+              <a:rPr lang="ru-RU" dirty="0" err="1" smtClean="0">
+                <a:latin typeface="Times New Roman" panose="02020603050405020304" pitchFamily="18" charset="0"/>
+                <a:cs typeface="Times New Roman" panose="02020603050405020304" pitchFamily="18" charset="0"/>
+              </a:rPr>
               <a:t>зп</a:t>
             </a:r>
             <a:r>
-              <a:rPr lang="ru-RU" i="1" dirty="0" smtClean="0"/>
-              <a:t> использовались для анализа;</a:t>
-            </a:r>
-            <a:endParaRPr lang="en-US" i="1" dirty="0"/>
-          </a:p>
-          <a:p>
-            <a:r>
-              <a:rPr lang="ru-RU" i="1" dirty="0" smtClean="0">
-                <a:solidFill>
-                  <a:schemeClr val="tx1">
-                    <a:lumMod val="65000"/>
-                    <a:lumOff val="35000"/>
-                  </a:schemeClr>
-                </a:solidFill>
-              </a:rPr>
-              <a:t>Данные  по полю –</a:t>
-            </a:r>
-            <a:r>
-              <a:rPr lang="en-US" b="1" dirty="0" smtClean="0"/>
+              <a:rPr lang="ru-RU" dirty="0" smtClean="0">
+                <a:latin typeface="Times New Roman" panose="02020603050405020304" pitchFamily="18" charset="0"/>
+                <a:cs typeface="Times New Roman" panose="02020603050405020304" pitchFamily="18" charset="0"/>
+              </a:rPr>
+              <a:t>) </a:t>
+            </a:r>
+            <a:r>
+              <a:rPr lang="ru-RU" dirty="0" smtClean="0">
+                <a:latin typeface="Times New Roman" panose="02020603050405020304" pitchFamily="18" charset="0"/>
+                <a:cs typeface="Times New Roman" panose="02020603050405020304" pitchFamily="18" charset="0"/>
+              </a:rPr>
+              <a:t>использовались для анализа;</a:t>
+            </a:r>
+            <a:endParaRPr lang="en-US" dirty="0">
+              <a:latin typeface="Times New Roman" panose="02020603050405020304" pitchFamily="18" charset="0"/>
+              <a:cs typeface="Times New Roman" panose="02020603050405020304" pitchFamily="18" charset="0"/>
+            </a:endParaRPr>
+          </a:p>
+          <a:p>
+            <a:r>
+              <a:rPr lang="ru-RU" dirty="0" smtClean="0">
+                <a:latin typeface="Times New Roman" panose="02020603050405020304" pitchFamily="18" charset="0"/>
+                <a:cs typeface="Times New Roman" panose="02020603050405020304" pitchFamily="18" charset="0"/>
+              </a:rPr>
+              <a:t>Использовались данные  </a:t>
+            </a:r>
+            <a:r>
+              <a:rPr lang="ru-RU" dirty="0" smtClean="0">
+                <a:latin typeface="Times New Roman" panose="02020603050405020304" pitchFamily="18" charset="0"/>
+                <a:cs typeface="Times New Roman" panose="02020603050405020304" pitchFamily="18" charset="0"/>
+              </a:rPr>
+              <a:t>по полю </a:t>
+            </a:r>
+            <a:r>
+              <a:rPr lang="en-US" b="1" dirty="0" smtClean="0">
+                <a:latin typeface="Times New Roman" panose="02020603050405020304" pitchFamily="18" charset="0"/>
+                <a:cs typeface="Times New Roman" panose="02020603050405020304" pitchFamily="18" charset="0"/>
+              </a:rPr>
               <a:t>Year</a:t>
             </a:r>
             <a:r>
-              <a:rPr lang="ru-RU" i="1" dirty="0" smtClean="0">
-                <a:solidFill>
-                  <a:schemeClr val="tx1">
-                    <a:lumMod val="65000"/>
-                    <a:lumOff val="35000"/>
-                  </a:schemeClr>
-                </a:solidFill>
-              </a:rPr>
-              <a:t>(год) проводилась группировка</a:t>
-            </a:r>
-          </a:p>
-          <a:p>
-            <a:r>
-              <a:rPr lang="ru-RU" i="1" dirty="0" smtClean="0">
-                <a:solidFill>
-                  <a:schemeClr val="tx1">
-                    <a:lumMod val="65000"/>
-                    <a:lumOff val="35000"/>
-                  </a:schemeClr>
-                </a:solidFill>
+              <a:rPr lang="ru-RU" b="1" dirty="0" smtClean="0">
+                <a:latin typeface="Times New Roman" panose="02020603050405020304" pitchFamily="18" charset="0"/>
+                <a:cs typeface="Times New Roman" panose="02020603050405020304" pitchFamily="18" charset="0"/>
+              </a:rPr>
+              <a:t> </a:t>
+            </a:r>
+            <a:r>
+              <a:rPr lang="ru-RU" dirty="0" smtClean="0">
+                <a:latin typeface="Times New Roman" panose="02020603050405020304" pitchFamily="18" charset="0"/>
+                <a:cs typeface="Times New Roman" panose="02020603050405020304" pitchFamily="18" charset="0"/>
+              </a:rPr>
+              <a:t>(</a:t>
+            </a:r>
+            <a:r>
+              <a:rPr lang="ru-RU" dirty="0" smtClean="0">
+                <a:latin typeface="Times New Roman" panose="02020603050405020304" pitchFamily="18" charset="0"/>
+                <a:cs typeface="Times New Roman" panose="02020603050405020304" pitchFamily="18" charset="0"/>
+              </a:rPr>
+              <a:t>год) </a:t>
+            </a:r>
+            <a:r>
+              <a:rPr lang="ru-RU" dirty="0" smtClean="0">
+                <a:latin typeface="Times New Roman" panose="02020603050405020304" pitchFamily="18" charset="0"/>
+                <a:cs typeface="Times New Roman" panose="02020603050405020304" pitchFamily="18" charset="0"/>
+              </a:rPr>
+              <a:t>- проводилась группировка.</a:t>
+            </a:r>
+            <a:endParaRPr lang="ru-RU" dirty="0" smtClean="0">
+              <a:latin typeface="Times New Roman" panose="02020603050405020304" pitchFamily="18" charset="0"/>
+              <a:cs typeface="Times New Roman" panose="02020603050405020304" pitchFamily="18" charset="0"/>
+            </a:endParaRPr>
+          </a:p>
+          <a:p>
+            <a:r>
+              <a:rPr lang="ru-RU" dirty="0" smtClean="0">
+                <a:latin typeface="Times New Roman" panose="02020603050405020304" pitchFamily="18" charset="0"/>
+                <a:cs typeface="Times New Roman" panose="02020603050405020304" pitchFamily="18" charset="0"/>
               </a:rPr>
               <a:t>Значения поля </a:t>
             </a:r>
             <a:r>
-              <a:rPr lang="en-US" b="1" dirty="0"/>
+              <a:rPr lang="en-US" b="1" dirty="0">
+                <a:latin typeface="Times New Roman" panose="02020603050405020304" pitchFamily="18" charset="0"/>
+                <a:cs typeface="Times New Roman" panose="02020603050405020304" pitchFamily="18" charset="0"/>
+              </a:rPr>
               <a:t>Status</a:t>
             </a:r>
             <a:r>
-              <a:rPr lang="ru-RU" i="1" dirty="0" smtClean="0">
-                <a:solidFill>
-                  <a:schemeClr val="tx1">
-                    <a:lumMod val="65000"/>
-                    <a:lumOff val="35000"/>
-                  </a:schemeClr>
-                </a:solidFill>
-              </a:rPr>
-              <a:t> </a:t>
-            </a:r>
-            <a:r>
-              <a:rPr lang="ru-RU" i="1" dirty="0" smtClean="0">
-                <a:solidFill>
-                  <a:schemeClr val="tx1">
-                    <a:lumMod val="65000"/>
-                    <a:lumOff val="35000"/>
-                  </a:schemeClr>
-                </a:solidFill>
-              </a:rPr>
-              <a:t>– полный рабочий день, почасовая оплата.</a:t>
-            </a:r>
-          </a:p>
-          <a:p>
-            <a:r>
-              <a:rPr lang="en-US" b="1" dirty="0" err="1" smtClean="0"/>
+              <a:rPr lang="ru-RU" dirty="0" smtClean="0">
+                <a:latin typeface="Times New Roman" panose="02020603050405020304" pitchFamily="18" charset="0"/>
+                <a:cs typeface="Times New Roman" panose="02020603050405020304" pitchFamily="18" charset="0"/>
+              </a:rPr>
+              <a:t> – полный рабочий день, почасовая оплата.</a:t>
+            </a:r>
+          </a:p>
+          <a:p>
+            <a:r>
+              <a:rPr lang="en-US" b="1" dirty="0" err="1" smtClean="0">
+                <a:latin typeface="Times New Roman" panose="02020603050405020304" pitchFamily="18" charset="0"/>
+                <a:cs typeface="Times New Roman" panose="02020603050405020304" pitchFamily="18" charset="0"/>
+              </a:rPr>
               <a:t>EmployeeName</a:t>
             </a:r>
             <a:r>
-              <a:rPr lang="ru-RU" i="1" dirty="0" smtClean="0">
-                <a:solidFill>
-                  <a:schemeClr val="tx1">
-                    <a:lumMod val="65000"/>
-                    <a:lumOff val="35000"/>
-                  </a:schemeClr>
-                </a:solidFill>
+              <a:rPr lang="ru-RU" dirty="0" smtClean="0">
+                <a:latin typeface="Times New Roman" panose="02020603050405020304" pitchFamily="18" charset="0"/>
+                <a:cs typeface="Times New Roman" panose="02020603050405020304" pitchFamily="18" charset="0"/>
               </a:rPr>
               <a:t>(</a:t>
             </a:r>
             <a:r>
-              <a:rPr lang="ru-RU" i="1" dirty="0" err="1" smtClean="0">
-                <a:solidFill>
-                  <a:schemeClr val="tx1">
-                    <a:lumMod val="65000"/>
-                    <a:lumOff val="35000"/>
-                  </a:schemeClr>
-                </a:solidFill>
+              <a:rPr lang="ru-RU" dirty="0" err="1" smtClean="0">
+                <a:latin typeface="Times New Roman" panose="02020603050405020304" pitchFamily="18" charset="0"/>
+                <a:cs typeface="Times New Roman" panose="02020603050405020304" pitchFamily="18" charset="0"/>
               </a:rPr>
               <a:t>фио</a:t>
             </a:r>
             <a:r>
-              <a:rPr lang="ru-RU" i="1" dirty="0" smtClean="0">
-                <a:solidFill>
-                  <a:schemeClr val="tx1">
-                    <a:lumMod val="65000"/>
-                    <a:lumOff val="35000"/>
-                  </a:schemeClr>
-                </a:solidFill>
+              <a:rPr lang="ru-RU" dirty="0" smtClean="0">
+                <a:latin typeface="Times New Roman" panose="02020603050405020304" pitchFamily="18" charset="0"/>
+                <a:cs typeface="Times New Roman" panose="02020603050405020304" pitchFamily="18" charset="0"/>
               </a:rPr>
               <a:t>) сотрудников – нахождение количества сотрудников </a:t>
             </a:r>
             <a:r>
-              <a:rPr lang="ru-RU" i="1" dirty="0" err="1" smtClean="0">
-                <a:solidFill>
-                  <a:schemeClr val="tx1">
-                    <a:lumMod val="65000"/>
-                    <a:lumOff val="35000"/>
-                  </a:schemeClr>
-                </a:solidFill>
-              </a:rPr>
-              <a:t>подепартаментам</a:t>
-            </a:r>
-            <a:r>
-              <a:rPr lang="ru-RU" i="1" dirty="0" smtClean="0">
-                <a:solidFill>
-                  <a:schemeClr val="tx1">
-                    <a:lumMod val="65000"/>
-                    <a:lumOff val="35000"/>
-                  </a:schemeClr>
-                </a:solidFill>
+              <a:rPr lang="ru-RU" dirty="0" smtClean="0">
+                <a:latin typeface="Times New Roman" panose="02020603050405020304" pitchFamily="18" charset="0"/>
+                <a:cs typeface="Times New Roman" panose="02020603050405020304" pitchFamily="18" charset="0"/>
+              </a:rPr>
+              <a:t>по департаментам</a:t>
+            </a:r>
+            <a:r>
+              <a:rPr lang="ru-RU" dirty="0" smtClean="0">
+                <a:latin typeface="Times New Roman" panose="02020603050405020304" pitchFamily="18" charset="0"/>
+                <a:cs typeface="Times New Roman" panose="02020603050405020304" pitchFamily="18" charset="0"/>
               </a:rPr>
               <a:t>.</a:t>
             </a:r>
-            <a:endParaRPr lang="ru-RU" i="1" dirty="0">
-              <a:solidFill>
-                <a:schemeClr val="tx1">
-                  <a:lumMod val="65000"/>
-                  <a:lumOff val="35000"/>
-                </a:schemeClr>
-              </a:solidFill>
+            <a:endParaRPr lang="ru-RU" dirty="0">
+              <a:latin typeface="Times New Roman" panose="02020603050405020304" pitchFamily="18" charset="0"/>
+              <a:cs typeface="Times New Roman" panose="02020603050405020304" pitchFamily="18" charset="0"/>
             </a:endParaRPr>
           </a:p>
         </p:txBody>
@@ -4672,13 +4573,13 @@
         </p:nvSpPr>
         <p:spPr>
           <a:xfrm>
-            <a:off x="838200" y="1295400"/>
-            <a:ext cx="10515600" cy="4881563"/>
+            <a:off x="592428" y="1295400"/>
+            <a:ext cx="10761372" cy="5118279"/>
           </a:xfrm>
         </p:spPr>
         <p:txBody>
           <a:bodyPr>
-            <a:normAutofit fontScale="92500" lnSpcReduction="10000"/>
+            <a:normAutofit fontScale="85000" lnSpcReduction="20000"/>
           </a:bodyPr>
           <a:lstStyle/>
           <a:p>
@@ -4687,11 +4588,16 @@
             </a:pPr>
             <a:r>
               <a:rPr lang="ru-RU" dirty="0" smtClean="0"/>
-              <a:t>Библиотеки </a:t>
-            </a:r>
-            <a:r>
-              <a:rPr lang="ru-RU" dirty="0"/>
-              <a:t>с открытым исходным кодом на </a:t>
+              <a:t>Для анализа данных использовались различные библиотеки:</a:t>
+            </a:r>
+          </a:p>
+          <a:p>
+            <a:pPr marL="0" indent="0">
+              <a:buNone/>
+            </a:pPr>
+            <a:r>
+              <a:rPr lang="ru-RU" dirty="0" smtClean="0"/>
+              <a:t>такие как </a:t>
             </a:r>
             <a:r>
               <a:rPr lang="ru-RU" dirty="0" err="1" smtClean="0"/>
@@ -4699,15 +4605,33 @@
             </a:r>
             <a:r>
               <a:rPr lang="ru-RU" dirty="0" smtClean="0"/>
-              <a:t> ( </a:t>
+              <a:t> </a:t>
+            </a:r>
+            <a:r>
+              <a:rPr lang="ru-RU" dirty="0" smtClean="0"/>
+              <a:t>(высокопроизводительные </a:t>
             </a:r>
             <a:r>
               <a:rPr lang="ru-RU" dirty="0"/>
-              <a:t>готовые к использованию высокопроизводительные структуры данных и инструменты анализа </a:t>
+              <a:t>структуры данных и инструменты анализа </a:t>
             </a:r>
             <a:r>
               <a:rPr lang="ru-RU" dirty="0" smtClean="0"/>
-              <a:t>данных), для графического отображения информации  - библиотеки </a:t>
+              <a:t>данных), </a:t>
+            </a:r>
+            <a:endParaRPr lang="ru-RU" dirty="0" smtClean="0"/>
+          </a:p>
+          <a:p>
+            <a:pPr marL="0" indent="0">
+              <a:buNone/>
+            </a:pPr>
+            <a:r>
+              <a:rPr lang="ru-RU" dirty="0" smtClean="0"/>
+              <a:t>для </a:t>
+            </a:r>
+            <a:r>
+              <a:rPr lang="ru-RU" dirty="0" smtClean="0"/>
+              <a:t>графического отображения информации  - библиотеки </a:t>
             </a:r>
             <a:r>
               <a:rPr lang="ru-RU" dirty="0"/>
@@ -4717,8 +4641,14 @@
               <a:rPr lang="ru-RU" dirty="0" smtClean="0"/>
               <a:t>. </a:t>
             </a:r>
-            <a:r>
-              <a:rPr lang="ru-RU" dirty="0"/>
+            <a:endParaRPr lang="ru-RU" dirty="0" smtClean="0"/>
+          </a:p>
+          <a:p>
+            <a:pPr marL="0" indent="0">
+              <a:buNone/>
+            </a:pPr>
+            <a:r>
+              <a:rPr lang="ru-RU" dirty="0" smtClean="0"/>
               <a:t>Модуль </a:t>
             </a:r>
             <a:r>
@@ -4745,12 +4675,18 @@
               <a:rPr lang="ru-RU" dirty="0" smtClean="0"/>
               <a:t>массивами). </a:t>
             </a:r>
-            <a:r>
-              <a:rPr lang="ru-RU" dirty="0" err="1"/>
+            <a:endParaRPr lang="ru-RU" dirty="0" smtClean="0"/>
+          </a:p>
+          <a:p>
+            <a:pPr marL="0" indent="0">
+              <a:buNone/>
+            </a:pPr>
+            <a:r>
+              <a:rPr lang="ru-RU" dirty="0" err="1" smtClean="0"/>
               <a:t>Pandas</a:t>
             </a:r>
             <a:r>
-              <a:rPr lang="ru-RU" dirty="0"/>
+              <a:rPr lang="ru-RU" dirty="0" smtClean="0"/>
               <a:t> </a:t>
             </a:r>
             <a:r>
@@ -4769,13 +4705,23 @@
               <a:rPr lang="ru-RU" dirty="0"/>
               <a:t>согласование табличных данных и мощную функциональность временных рядов. </a:t>
             </a:r>
-            <a:r>
-              <a:rPr lang="ru-RU" dirty="0" err="1"/>
+            <a:endParaRPr lang="ru-RU" dirty="0" smtClean="0"/>
+          </a:p>
+          <a:p>
+            <a:pPr marL="0" indent="0">
+              <a:buNone/>
+            </a:pPr>
+            <a:r>
+              <a:rPr lang="ru-RU" dirty="0" err="1" smtClean="0"/>
               <a:t>DataFrame</a:t>
             </a:r>
             <a:r>
+              <a:rPr lang="ru-RU" dirty="0" smtClean="0"/>
+              <a:t> </a:t>
+            </a:r>
+            <a:r>
               <a:rPr lang="ru-RU" dirty="0"/>
-              <a:t> – </a:t>
+              <a:t>– </a:t>
             </a:r>
             <a:r>
               <a:rPr lang="ru-RU" dirty="0" smtClean="0"/>
@@ -4816,9 +4762,35 @@
             <a:br>
               <a:rPr lang="ru-RU" dirty="0"/>
             </a:br>
+            <a:endParaRPr lang="ru-RU" dirty="0" smtClean="0"/>
+          </a:p>
+          <a:p>
+            <a:pPr marL="0" indent="0">
+              <a:buNone/>
+            </a:pPr>
             <a:r>
               <a:rPr lang="ru-RU" dirty="0" smtClean="0"/>
-              <a:t>Для на примере линейной регрессии для анализа данных использовались базовые </a:t>
+              <a:t>Для </a:t>
+            </a:r>
+            <a:r>
+              <a:rPr lang="ru-RU" dirty="0" smtClean="0"/>
+              <a:t>на примере линейной </a:t>
+            </a:r>
+            <a:r>
+              <a:rPr lang="ru-RU" dirty="0" smtClean="0"/>
+              <a:t>регрессии, </a:t>
+            </a:r>
+            <a:r>
+              <a:rPr lang="ru-RU" dirty="0" smtClean="0"/>
+              <a:t>для анализа </a:t>
+            </a:r>
+            <a:r>
+              <a:rPr lang="ru-RU" dirty="0" smtClean="0"/>
+              <a:t>данных, использовались </a:t>
+            </a:r>
+            <a:r>
+              <a:rPr lang="ru-RU" dirty="0" smtClean="0"/>
+              <a:t>базовые </a:t>
             </a:r>
             <a:r>
               <a:rPr lang="ru-RU" dirty="0"/>
